--- a/hw1/soft_computing_hw1.pptx
+++ b/hw1/soft_computing_hw1.pptx
@@ -6,25 +6,27 @@
   </p:sldMasterIdLst>
   <p:sldIdLst>
     <p:sldId id="256" r:id="rId2"/>
-    <p:sldId id="257" r:id="rId3"/>
-    <p:sldId id="273" r:id="rId4"/>
-    <p:sldId id="260" r:id="rId5"/>
-    <p:sldId id="261" r:id="rId6"/>
-    <p:sldId id="262" r:id="rId7"/>
-    <p:sldId id="263" r:id="rId8"/>
-    <p:sldId id="264" r:id="rId9"/>
-    <p:sldId id="265" r:id="rId10"/>
-    <p:sldId id="274" r:id="rId11"/>
-    <p:sldId id="258" r:id="rId12"/>
-    <p:sldId id="266" r:id="rId13"/>
-    <p:sldId id="267" r:id="rId14"/>
-    <p:sldId id="268" r:id="rId15"/>
-    <p:sldId id="269" r:id="rId16"/>
-    <p:sldId id="270" r:id="rId17"/>
-    <p:sldId id="271" r:id="rId18"/>
-    <p:sldId id="272" r:id="rId19"/>
-    <p:sldId id="275" r:id="rId20"/>
-    <p:sldId id="277" r:id="rId21"/>
+    <p:sldId id="274" r:id="rId3"/>
+    <p:sldId id="257" r:id="rId4"/>
+    <p:sldId id="273" r:id="rId5"/>
+    <p:sldId id="260" r:id="rId6"/>
+    <p:sldId id="261" r:id="rId7"/>
+    <p:sldId id="262" r:id="rId8"/>
+    <p:sldId id="263" r:id="rId9"/>
+    <p:sldId id="264" r:id="rId10"/>
+    <p:sldId id="265" r:id="rId11"/>
+    <p:sldId id="280" r:id="rId12"/>
+    <p:sldId id="275" r:id="rId13"/>
+    <p:sldId id="258" r:id="rId14"/>
+    <p:sldId id="266" r:id="rId15"/>
+    <p:sldId id="267" r:id="rId16"/>
+    <p:sldId id="268" r:id="rId17"/>
+    <p:sldId id="269" r:id="rId18"/>
+    <p:sldId id="270" r:id="rId19"/>
+    <p:sldId id="271" r:id="rId20"/>
+    <p:sldId id="272" r:id="rId21"/>
+    <p:sldId id="279" r:id="rId22"/>
+    <p:sldId id="277" r:id="rId23"/>
   </p:sldIdLst>
   <p:sldSz cx="9144000" cy="6858000" type="screen4x3"/>
   <p:notesSz cx="6858000" cy="9144000"/>
@@ -324,7 +326,7 @@
             <a:fld id="{451DEABC-D766-4322-8E78-B830FAE35C72}" type="datetime4">
               <a:rPr lang="en-US" smtClean="0"/>
               <a:pPr/>
-              <a:t>2012年10月16日 </a:t>
+              <a:t>2012年10月20日 </a:t>
             </a:fld>
             <a:endParaRPr lang="en-US" dirty="0"/>
           </a:p>
@@ -591,7 +593,7 @@
             <a:fld id="{F3131F9E-604E-4343-9F29-EF72E8231CAD}" type="datetime4">
               <a:rPr lang="en-US" smtClean="0"/>
               <a:pPr/>
-              <a:t>2012年10月16日 </a:t>
+              <a:t>2012年10月20日 </a:t>
             </a:fld>
             <a:endParaRPr lang="en-US"/>
           </a:p>
@@ -768,7 +770,7 @@
             <a:fld id="{34A8E1CE-37F8-4102-8DF9-852A0A51F293}" type="datetime4">
               <a:rPr lang="en-US" smtClean="0"/>
               <a:pPr/>
-              <a:t>2012年10月16日 </a:t>
+              <a:t>2012年10月20日 </a:t>
             </a:fld>
             <a:endParaRPr lang="en-US"/>
           </a:p>
@@ -935,7 +937,7 @@
             <a:fld id="{93333F43-3E86-47E4-BFBB-2476D384E1C6}" type="datetime4">
               <a:rPr lang="en-US" smtClean="0"/>
               <a:pPr/>
-              <a:t>2012年10月16日 </a:t>
+              <a:t>2012年10月20日 </a:t>
             </a:fld>
             <a:endParaRPr lang="en-US"/>
           </a:p>
@@ -1186,7 +1188,7 @@
             <a:fld id="{751663BA-01FC-4367-B6F3-ABB2645D55F1}" type="datetime4">
               <a:rPr lang="en-US" smtClean="0"/>
               <a:pPr/>
-              <a:t>2012年10月16日 </a:t>
+              <a:t>2012年10月20日 </a:t>
             </a:fld>
             <a:endParaRPr lang="en-US" dirty="0"/>
           </a:p>
@@ -1471,7 +1473,7 @@
             <a:fld id="{79B19C71-EC74-44AF-B27E-FC7DC3C3A61D}" type="datetime4">
               <a:rPr lang="en-US" smtClean="0"/>
               <a:pPr/>
-              <a:t>2012年10月16日 </a:t>
+              <a:t>2012年10月20日 </a:t>
             </a:fld>
             <a:endParaRPr lang="en-US"/>
           </a:p>
@@ -1912,7 +1914,7 @@
             <a:fld id="{6A5CDA29-3CBE-48EA-92AE-A996835462BA}" type="datetime4">
               <a:rPr lang="en-US" smtClean="0"/>
               <a:pPr/>
-              <a:t>2012年10月16日 </a:t>
+              <a:t>2012年10月20日 </a:t>
             </a:fld>
             <a:endParaRPr lang="en-US"/>
           </a:p>
@@ -2027,7 +2029,7 @@
             <a:fld id="{E29EC054-3869-4501-B163-1BBFDE8DCE04}" type="datetime4">
               <a:rPr lang="en-US" smtClean="0"/>
               <a:pPr/>
-              <a:t>2012年10月16日 </a:t>
+              <a:t>2012年10月20日 </a:t>
             </a:fld>
             <a:endParaRPr lang="en-US"/>
           </a:p>
@@ -2119,7 +2121,7 @@
             <a:fld id="{0A63D831-56C1-49CF-8EF7-8B9A98402BCD}" type="datetime4">
               <a:rPr lang="en-US" smtClean="0"/>
               <a:pPr/>
-              <a:t>2012年10月16日 </a:t>
+              <a:t>2012年10月20日 </a:t>
             </a:fld>
             <a:endParaRPr lang="en-US"/>
           </a:p>
@@ -2363,7 +2365,7 @@
             <a:fld id="{6EAD5615-7F4F-4584-84D5-CC95918C321F}" type="datetime4">
               <a:rPr lang="en-US" smtClean="0"/>
               <a:pPr/>
-              <a:t>2012年10月16日 </a:t>
+              <a:t>2012年10月20日 </a:t>
             </a:fld>
             <a:endParaRPr lang="en-US"/>
           </a:p>
@@ -2659,7 +2661,7 @@
             <a:fld id="{76EEA923-9BEE-48CE-9F28-5B525F399BAD}" type="datetime4">
               <a:rPr lang="en-US" smtClean="0"/>
               <a:pPr/>
-              <a:t>2012年10月16日 </a:t>
+              <a:t>2012年10月20日 </a:t>
             </a:fld>
             <a:endParaRPr lang="en-US"/>
           </a:p>
@@ -2955,7 +2957,7 @@
             <a:fld id="{17D0EFEE-2756-4A20-BF2A-63F0A94F99AC}" type="datetime4">
               <a:rPr lang="en-US" smtClean="0"/>
               <a:pPr/>
-              <a:t>2012年10月16日 </a:t>
+              <a:t>2012年10月20日 </a:t>
             </a:fld>
             <a:endParaRPr lang="en-US" dirty="0"/>
           </a:p>
@@ -3580,13 +3582,49 @@
           <a:chExt cx="0" cy="0"/>
         </a:xfrm>
       </p:grpSpPr>
+      <p:sp>
+        <p:nvSpPr>
+          <p:cNvPr id="2" name="標題 1"/>
+          <p:cNvSpPr>
+            <a:spLocks noGrp="1"/>
+          </p:cNvSpPr>
+          <p:nvPr>
+            <p:ph type="title"/>
+          </p:nvPr>
+        </p:nvSpPr>
+        <p:spPr/>
+        <p:txBody>
+          <a:bodyPr/>
+          <a:lstStyle/>
+          <a:p>
+            <a:r>
+              <a:rPr kumimoji="1" lang="en-US" altLang="zh-TW" dirty="0"/>
+              <a:t>Sphere Function</a:t>
+            </a:r>
+            <a:br>
+              <a:rPr kumimoji="1" lang="en-US" altLang="zh-TW" dirty="0"/>
+            </a:br>
+            <a:r>
+              <a:rPr kumimoji="1" lang="en-US" altLang="zh-TW" dirty="0"/>
+              <a:t>- Process (</a:t>
+            </a:r>
+            <a:r>
+              <a:rPr kumimoji="1" lang="en-US" altLang="zh-TW" dirty="0" smtClean="0"/>
+              <a:t>7/7)</a:t>
+            </a:r>
+            <a:endParaRPr kumimoji="1" lang="zh-TW" altLang="en-US" dirty="0"/>
+          </a:p>
+        </p:txBody>
+      </p:sp>
       <p:pic>
         <p:nvPicPr>
-          <p:cNvPr id="4" name="圖片 3" descr="sphere_fn.jpeg"/>
+          <p:cNvPr id="4" name="內容版面配置區 3" descr="s7.png"/>
           <p:cNvPicPr>
-            <a:picLocks noChangeAspect="1"/>
+            <a:picLocks noGrp="1" noChangeAspect="1"/>
           </p:cNvPicPr>
-          <p:nvPr/>
+          <p:nvPr>
+            <p:ph idx="1"/>
+          </p:nvPr>
         </p:nvPicPr>
         <p:blipFill>
           <a:blip r:embed="rId2">
@@ -3596,96 +3634,17 @@
               </a:ext>
             </a:extLst>
           </a:blip>
+          <a:srcRect t="10632" b="10632"/>
           <a:stretch>
             <a:fillRect/>
           </a:stretch>
         </p:blipFill>
-        <p:spPr>
-          <a:xfrm>
-            <a:off x="964081" y="1752600"/>
-            <a:ext cx="6631653" cy="4373563"/>
-          </a:xfrm>
-          <a:prstGeom prst="rect">
-            <a:avLst/>
-          </a:prstGeom>
-        </p:spPr>
+        <p:spPr/>
       </p:pic>
-      <p:sp>
-        <p:nvSpPr>
-          <p:cNvPr id="2" name="標題 1"/>
-          <p:cNvSpPr>
-            <a:spLocks noGrp="1"/>
-          </p:cNvSpPr>
-          <p:nvPr>
-            <p:ph type="title"/>
-          </p:nvPr>
-        </p:nvSpPr>
-        <p:spPr/>
-        <p:txBody>
-          <a:bodyPr/>
-          <a:lstStyle/>
-          <a:p>
-            <a:r>
-              <a:rPr kumimoji="1" lang="en-US" altLang="zh-TW" dirty="0" smtClean="0"/>
-              <a:t>Sphere Function</a:t>
-            </a:r>
-            <a:br>
-              <a:rPr kumimoji="1" lang="en-US" altLang="zh-TW" dirty="0" smtClean="0"/>
-            </a:br>
-            <a:r>
-              <a:rPr kumimoji="1" lang="en-US" altLang="zh-TW" dirty="0" smtClean="0"/>
-              <a:t>- The global minima</a:t>
-            </a:r>
-            <a:endParaRPr kumimoji="1" lang="zh-TW" altLang="en-US" dirty="0"/>
-          </a:p>
-        </p:txBody>
-      </p:sp>
-      <p:sp>
-        <p:nvSpPr>
-          <p:cNvPr id="3" name="內容版面配置區 2"/>
-          <p:cNvSpPr>
-            <a:spLocks noGrp="1"/>
-          </p:cNvSpPr>
-          <p:nvPr>
-            <p:ph idx="1"/>
-          </p:nvPr>
-        </p:nvSpPr>
-        <p:spPr/>
-        <p:txBody>
-          <a:bodyPr anchor="b">
-            <a:normAutofit/>
-          </a:bodyPr>
-          <a:lstStyle/>
-          <a:p>
-            <a:pPr algn="ctr"/>
-            <a:r>
-              <a:rPr kumimoji="1" lang="en-US" altLang="zh-TW" sz="4000" dirty="0" smtClean="0"/>
-              <a:t>X</a:t>
-            </a:r>
-            <a:r>
-              <a:rPr kumimoji="1" lang="en-US" altLang="zh-TW" sz="4000" baseline="30000" dirty="0" smtClean="0"/>
-              <a:t>2</a:t>
-            </a:r>
-            <a:r>
-              <a:rPr kumimoji="1" lang="en-US" altLang="zh-TW" sz="4000" dirty="0" smtClean="0"/>
-              <a:t> = (0, 0) , f(x</a:t>
-            </a:r>
-            <a:r>
-              <a:rPr kumimoji="1" lang="en-US" altLang="zh-TW" sz="4000" baseline="30000" dirty="0" smtClean="0"/>
-              <a:t>2</a:t>
-            </a:r>
-            <a:r>
-              <a:rPr kumimoji="1" lang="en-US" altLang="zh-TW" sz="4000" dirty="0" smtClean="0"/>
-              <a:t>) = 0</a:t>
-            </a:r>
-            <a:endParaRPr kumimoji="1" lang="zh-TW" altLang="en-US" sz="4000" dirty="0"/>
-          </a:p>
-        </p:txBody>
-      </p:sp>
     </p:spTree>
     <p:extLst>
       <p:ext uri="{BB962C8B-B14F-4D97-AF65-F5344CB8AC3E}">
-        <p14:creationId xmlns:p14="http://schemas.microsoft.com/office/powerpoint/2010/main" val="2383270942"/>
+        <p14:creationId xmlns:p14="http://schemas.microsoft.com/office/powerpoint/2010/main" val="1704062774"/>
       </p:ext>
     </p:extLst>
   </p:cSld>
@@ -3719,6 +3678,64 @@
           <a:chExt cx="0" cy="0"/>
         </a:xfrm>
       </p:grpSpPr>
+      <p:graphicFrame>
+        <p:nvGraphicFramePr>
+          <p:cNvPr id="13" name="內容版面配置區 7"/>
+          <p:cNvGraphicFramePr>
+            <a:graphicFrameLocks noGrp="1" noChangeAspect="1"/>
+          </p:cNvGraphicFramePr>
+          <p:nvPr>
+            <p:ph idx="1"/>
+            <p:extLst>
+              <p:ext uri="{D42A27DB-BD31-4B8C-83A1-F6EECF244321}">
+                <p14:modId xmlns:p14="http://schemas.microsoft.com/office/powerpoint/2010/main" val="1704988674"/>
+              </p:ext>
+            </p:extLst>
+          </p:nvPr>
+        </p:nvGraphicFramePr>
+        <p:xfrm>
+          <a:off x="1375625" y="4340183"/>
+          <a:ext cx="7352535" cy="2105519"/>
+        </p:xfrm>
+        <a:graphic>
+          <a:graphicData uri="http://schemas.openxmlformats.org/presentationml/2006/ole">
+            <mc:AlternateContent xmlns:mc="http://schemas.openxmlformats.org/markup-compatibility/2006">
+              <mc:Choice xmlns:v="urn:schemas-microsoft-com:vml" Requires="v">
+                <p:oleObj spid="_x0000_s3100" name="工作表" r:id="rId3" imgW="6286500" imgH="1612900" progId="Excel.Sheet.12">
+                  <p:embed/>
+                </p:oleObj>
+              </mc:Choice>
+              <mc:Fallback>
+                <p:oleObj name="工作表" r:id="rId3" imgW="6286500" imgH="1612900" progId="Excel.Sheet.12">
+                  <p:embed/>
+                  <p:pic>
+                    <p:nvPicPr>
+                      <p:cNvPr id="0" name=""/>
+                      <p:cNvPicPr/>
+                      <p:nvPr/>
+                    </p:nvPicPr>
+                    <p:blipFill>
+                      <a:blip r:embed="rId4"/>
+                      <a:stretch>
+                        <a:fillRect/>
+                      </a:stretch>
+                    </p:blipFill>
+                    <p:spPr>
+                      <a:xfrm>
+                        <a:off x="1375625" y="4340183"/>
+                        <a:ext cx="7352535" cy="2105519"/>
+                      </a:xfrm>
+                      <a:prstGeom prst="rect">
+                        <a:avLst/>
+                      </a:prstGeom>
+                    </p:spPr>
+                  </p:pic>
+                </p:oleObj>
+              </mc:Fallback>
+            </mc:AlternateContent>
+          </a:graphicData>
+        </a:graphic>
+      </p:graphicFrame>
       <p:sp>
         <p:nvSpPr>
           <p:cNvPr id="2" name="標題 1"/>
@@ -3735,204 +3752,202 @@
           <a:lstStyle/>
           <a:p>
             <a:r>
-              <a:rPr kumimoji="1" lang="en-US" altLang="zh-TW" dirty="0" err="1" smtClean="0"/>
-              <a:t>Rastrigin</a:t>
-            </a:r>
-            <a:r>
               <a:rPr kumimoji="1" lang="en-US" altLang="zh-TW" dirty="0" smtClean="0"/>
-              <a:t> function</a:t>
+              <a:t>Sphere Function</a:t>
             </a:r>
             <a:br>
               <a:rPr kumimoji="1" lang="en-US" altLang="zh-TW" dirty="0" smtClean="0"/>
             </a:br>
             <a:r>
               <a:rPr kumimoji="1" lang="en-US" altLang="zh-TW" dirty="0" smtClean="0"/>
-              <a:t>- PARAMETERS</a:t>
+              <a:t>- </a:t>
+            </a:r>
+            <a:r>
+              <a:rPr kumimoji="1" lang="en-US" altLang="zh-TW" dirty="0" smtClean="0"/>
+              <a:t>statistics</a:t>
             </a:r>
             <a:endParaRPr kumimoji="1" lang="zh-TW" altLang="en-US" dirty="0"/>
           </a:p>
         </p:txBody>
       </p:sp>
-      <p:sp>
-        <p:nvSpPr>
-          <p:cNvPr id="3" name="內容版面配置區 2"/>
-          <p:cNvSpPr>
-            <a:spLocks noGrp="1"/>
-          </p:cNvSpPr>
-          <p:nvPr>
-            <p:ph idx="1"/>
-          </p:nvPr>
-        </p:nvSpPr>
-        <p:spPr/>
-        <p:txBody>
-          <a:bodyPr>
-            <a:normAutofit/>
+      <p:pic>
+        <p:nvPicPr>
+          <p:cNvPr id="10" name="圖片 9" descr="sh1.png"/>
+          <p:cNvPicPr>
+            <a:picLocks noChangeAspect="1"/>
+          </p:cNvPicPr>
+          <p:nvPr/>
+        </p:nvPicPr>
+        <p:blipFill rotWithShape="1">
+          <a:blip r:embed="rId5">
+            <a:extLst>
+              <a:ext uri="{28A0092B-C50C-407E-A947-70E740481C1C}">
+                <a14:useLocalDpi xmlns:a14="http://schemas.microsoft.com/office/drawing/2010/main" val="0"/>
+              </a:ext>
+            </a:extLst>
+          </a:blip>
+          <a:srcRect t="46504" r="9461"/>
+          <a:stretch/>
+        </p:blipFill>
+        <p:spPr>
+          <a:xfrm>
+            <a:off x="381885" y="1524318"/>
+            <a:ext cx="3992644" cy="2232264"/>
+          </a:xfrm>
+          <a:prstGeom prst="rect">
+            <a:avLst/>
+          </a:prstGeom>
+        </p:spPr>
+      </p:pic>
+      <p:pic>
+        <p:nvPicPr>
+          <p:cNvPr id="11" name="圖片 10" descr="sh2.png"/>
+          <p:cNvPicPr>
+            <a:picLocks noChangeAspect="1"/>
+          </p:cNvPicPr>
+          <p:nvPr/>
+        </p:nvPicPr>
+        <p:blipFill rotWithShape="1">
+          <a:blip r:embed="rId6">
+            <a:extLst>
+              <a:ext uri="{28A0092B-C50C-407E-A947-70E740481C1C}">
+                <a14:useLocalDpi xmlns:a14="http://schemas.microsoft.com/office/drawing/2010/main" val="0"/>
+              </a:ext>
+            </a:extLst>
+          </a:blip>
+          <a:srcRect t="46456" r="7708"/>
+          <a:stretch/>
+        </p:blipFill>
+        <p:spPr>
+          <a:xfrm>
+            <a:off x="4587850" y="1524318"/>
+            <a:ext cx="3997226" cy="2289728"/>
+          </a:xfrm>
+          <a:prstGeom prst="rect">
+            <a:avLst/>
+          </a:prstGeom>
+        </p:spPr>
+      </p:pic>
+      <p:pic>
+        <p:nvPicPr>
+          <p:cNvPr id="4" name="圖片 3" descr="sh3.png"/>
+          <p:cNvPicPr>
+            <a:picLocks noChangeAspect="1"/>
+          </p:cNvPicPr>
+          <p:nvPr/>
+        </p:nvPicPr>
+        <p:blipFill rotWithShape="1">
+          <a:blip r:embed="rId7">
+            <a:extLst>
+              <a:ext uri="{28A0092B-C50C-407E-A947-70E740481C1C}">
+                <a14:useLocalDpi xmlns:a14="http://schemas.microsoft.com/office/drawing/2010/main" val="0"/>
+              </a:ext>
+            </a:extLst>
+          </a:blip>
+          <a:srcRect t="47178" r="13631"/>
+          <a:stretch/>
+        </p:blipFill>
+        <p:spPr>
+          <a:xfrm>
+            <a:off x="381885" y="4207592"/>
+            <a:ext cx="3992644" cy="2232264"/>
+          </a:xfrm>
+          <a:prstGeom prst="rect">
+            <a:avLst/>
+          </a:prstGeom>
+        </p:spPr>
+      </p:pic>
+      <p:sp>
+        <p:nvSpPr>
+          <p:cNvPr id="5" name="文字方塊 4"/>
+          <p:cNvSpPr txBox="1"/>
+          <p:nvPr/>
+        </p:nvSpPr>
+        <p:spPr>
+          <a:xfrm>
+            <a:off x="1922027" y="3814046"/>
+            <a:ext cx="742924" cy="369332"/>
+          </a:xfrm>
+          <a:prstGeom prst="rect">
+            <a:avLst/>
+          </a:prstGeom>
+          <a:noFill/>
+        </p:spPr>
+        <p:txBody>
+          <a:bodyPr wrap="none" rtlCol="0">
+            <a:spAutoFit/>
           </a:bodyPr>
           <a:lstStyle/>
           <a:p>
-            <a:pPr marL="342900" indent="-342900">
-              <a:buFont typeface="Arial"/>
-              <a:buChar char="•"/>
-            </a:pPr>
             <a:r>
               <a:rPr kumimoji="1" lang="en-US" altLang="zh-TW" dirty="0" smtClean="0"/>
-              <a:t>Particle </a:t>
-            </a:r>
-            <a:r>
-              <a:rPr kumimoji="1" lang="en-US" altLang="zh-TW" dirty="0"/>
-              <a:t>number: </a:t>
-            </a:r>
+              <a:t>N=20</a:t>
+            </a:r>
+          </a:p>
+        </p:txBody>
+      </p:sp>
+      <p:sp>
+        <p:nvSpPr>
+          <p:cNvPr id="9" name="文字方塊 8"/>
+          <p:cNvSpPr txBox="1"/>
+          <p:nvPr/>
+        </p:nvSpPr>
+        <p:spPr>
+          <a:xfrm>
+            <a:off x="6248400" y="3814046"/>
+            <a:ext cx="742924" cy="369332"/>
+          </a:xfrm>
+          <a:prstGeom prst="rect">
+            <a:avLst/>
+          </a:prstGeom>
+          <a:noFill/>
+        </p:spPr>
+        <p:txBody>
+          <a:bodyPr wrap="none" rtlCol="0">
+            <a:spAutoFit/>
+          </a:bodyPr>
+          <a:lstStyle/>
+          <a:p>
             <a:r>
               <a:rPr kumimoji="1" lang="en-US" altLang="zh-TW" dirty="0" smtClean="0"/>
-              <a:t>100</a:t>
-            </a:r>
-          </a:p>
-          <a:p>
-            <a:pPr marL="342900" indent="-342900">
-              <a:buFont typeface="Arial"/>
-              <a:buChar char="•"/>
-            </a:pPr>
-            <a:r>
-              <a:rPr kumimoji="1" lang="en-US" altLang="zh-TW" dirty="0"/>
-              <a:t>Search domain: </a:t>
-            </a:r>
+              <a:t>N=50</a:t>
+            </a:r>
+          </a:p>
+        </p:txBody>
+      </p:sp>
+      <p:sp>
+        <p:nvSpPr>
+          <p:cNvPr id="12" name="文字方塊 11"/>
+          <p:cNvSpPr txBox="1"/>
+          <p:nvPr/>
+        </p:nvSpPr>
+        <p:spPr>
+          <a:xfrm>
+            <a:off x="1922027" y="6453010"/>
+            <a:ext cx="871302" cy="369332"/>
+          </a:xfrm>
+          <a:prstGeom prst="rect">
+            <a:avLst/>
+          </a:prstGeom>
+          <a:noFill/>
+        </p:spPr>
+        <p:txBody>
+          <a:bodyPr wrap="none" rtlCol="0">
+            <a:spAutoFit/>
+          </a:bodyPr>
+          <a:lstStyle/>
+          <a:p>
             <a:r>
               <a:rPr kumimoji="1" lang="en-US" altLang="zh-TW" dirty="0" smtClean="0"/>
-              <a:t>-4 </a:t>
-            </a:r>
-            <a:r>
-              <a:rPr kumimoji="1" lang="en-US" altLang="zh-TW" dirty="0"/>
-              <a:t>&lt; X</a:t>
-            </a:r>
-            <a:r>
-              <a:rPr kumimoji="1" lang="en-US" altLang="zh-TW" baseline="-25000" dirty="0"/>
-              <a:t>i</a:t>
-            </a:r>
-            <a:r>
-              <a:rPr kumimoji="1" lang="en-US" altLang="zh-TW" dirty="0"/>
-              <a:t> &lt; 4</a:t>
-            </a:r>
-          </a:p>
-          <a:p>
-            <a:pPr marL="342900" indent="-342900">
-              <a:buFont typeface="Arial"/>
-              <a:buChar char="•"/>
-            </a:pPr>
-            <a:r>
-              <a:rPr kumimoji="1" lang="en-US" altLang="zh-TW" dirty="0"/>
-              <a:t>C</a:t>
-            </a:r>
-            <a:r>
-              <a:rPr kumimoji="1" lang="en-US" altLang="zh-TW" baseline="-25000" dirty="0"/>
-              <a:t>1</a:t>
-            </a:r>
-            <a:r>
-              <a:rPr kumimoji="1" lang="en-US" altLang="zh-TW" dirty="0"/>
-              <a:t>: 2</a:t>
-            </a:r>
-          </a:p>
-          <a:p>
-            <a:pPr marL="342900" indent="-342900">
-              <a:buFont typeface="Arial"/>
-              <a:buChar char="•"/>
-            </a:pPr>
-            <a:r>
-              <a:rPr kumimoji="1" lang="en-US" altLang="zh-TW" dirty="0"/>
-              <a:t>C</a:t>
-            </a:r>
-            <a:r>
-              <a:rPr kumimoji="1" lang="en-US" altLang="zh-TW" baseline="-25000" dirty="0"/>
-              <a:t>2</a:t>
-            </a:r>
-            <a:r>
-              <a:rPr kumimoji="1" lang="en-US" altLang="zh-TW" dirty="0"/>
-              <a:t>: 2</a:t>
-            </a:r>
-          </a:p>
-          <a:p>
-            <a:pPr marL="342900" indent="-342900">
-              <a:buFont typeface="Arial"/>
-              <a:buChar char="•"/>
-            </a:pPr>
-            <a:r>
-              <a:rPr kumimoji="1" lang="en-US" altLang="zh-TW" dirty="0"/>
-              <a:t>Rand</a:t>
-            </a:r>
-            <a:r>
-              <a:rPr kumimoji="1" lang="en-US" altLang="zh-TW" baseline="-25000" dirty="0"/>
-              <a:t>1</a:t>
-            </a:r>
-            <a:r>
-              <a:rPr kumimoji="1" lang="en-US" altLang="zh-TW" dirty="0"/>
-              <a:t>: 0.28019110555769167 </a:t>
-            </a:r>
-          </a:p>
-          <a:p>
-            <a:pPr marL="342900" indent="-342900">
-              <a:buFont typeface="Arial"/>
-              <a:buChar char="•"/>
-            </a:pPr>
-            <a:r>
-              <a:rPr kumimoji="1" lang="en-US" altLang="zh-TW" dirty="0"/>
-              <a:t>Rand</a:t>
-            </a:r>
-            <a:r>
-              <a:rPr kumimoji="1" lang="en-US" altLang="zh-TW" baseline="-25000" dirty="0"/>
-              <a:t>2</a:t>
-            </a:r>
-            <a:r>
-              <a:rPr kumimoji="1" lang="en-US" altLang="zh-TW" dirty="0"/>
-              <a:t>: 0.081576937926788</a:t>
-            </a:r>
-          </a:p>
-          <a:p>
-            <a:pPr marL="342900" indent="-342900">
-              <a:buFont typeface="Arial"/>
-              <a:buChar char="•"/>
-            </a:pPr>
-            <a:r>
-              <a:rPr kumimoji="1" lang="en-US" altLang="zh-TW" dirty="0"/>
-              <a:t>V</a:t>
-            </a:r>
-            <a:r>
-              <a:rPr kumimoji="1" lang="en-US" altLang="zh-TW" baseline="-25000" dirty="0"/>
-              <a:t>0</a:t>
-            </a:r>
-            <a:r>
-              <a:rPr kumimoji="1" lang="en-US" altLang="zh-TW" dirty="0"/>
-              <a:t>: [0, 0]</a:t>
-            </a:r>
-          </a:p>
-          <a:p>
-            <a:pPr marL="342900" indent="-342900">
-              <a:buFont typeface="Arial"/>
-              <a:buChar char="•"/>
-            </a:pPr>
-            <a:r>
-              <a:rPr kumimoji="1" lang="en-US" altLang="zh-TW" dirty="0"/>
-              <a:t>W: 0</a:t>
-            </a:r>
-          </a:p>
-          <a:p>
-            <a:pPr marL="342900" indent="-342900">
-              <a:buFont typeface="Arial"/>
-              <a:buChar char="•"/>
-            </a:pPr>
-            <a:r>
-              <a:rPr kumimoji="1" lang="en-US" altLang="zh-TW" dirty="0"/>
-              <a:t>Terminate condition: t = 100</a:t>
-            </a:r>
-            <a:endParaRPr kumimoji="1" lang="zh-TW" altLang="en-US" dirty="0"/>
-          </a:p>
-          <a:p>
-            <a:endParaRPr kumimoji="1" lang="zh-TW" altLang="en-US" dirty="0"/>
+              <a:t>N=100</a:t>
+            </a:r>
           </a:p>
         </p:txBody>
       </p:sp>
     </p:spTree>
     <p:extLst>
       <p:ext uri="{BB962C8B-B14F-4D97-AF65-F5344CB8AC3E}">
-        <p14:creationId xmlns:p14="http://schemas.microsoft.com/office/powerpoint/2010/main" val="524874238"/>
+        <p14:creationId xmlns:p14="http://schemas.microsoft.com/office/powerpoint/2010/main" val="2933850944"/>
       </p:ext>
     </p:extLst>
   </p:cSld>
@@ -3950,734 +3965,6 @@
 </file>
 
 <file path=ppt/slides/slide12.xml><?xml version="1.0" encoding="utf-8"?>
-<p:sld xmlns:a="http://schemas.openxmlformats.org/drawingml/2006/main" xmlns:r="http://schemas.openxmlformats.org/officeDocument/2006/relationships" xmlns:p="http://schemas.openxmlformats.org/presentationml/2006/main">
-  <p:cSld>
-    <p:spTree>
-      <p:nvGrpSpPr>
-        <p:cNvPr id="1" name=""/>
-        <p:cNvGrpSpPr/>
-        <p:nvPr/>
-      </p:nvGrpSpPr>
-      <p:grpSpPr>
-        <a:xfrm>
-          <a:off x="0" y="0"/>
-          <a:ext cx="0" cy="0"/>
-          <a:chOff x="0" y="0"/>
-          <a:chExt cx="0" cy="0"/>
-        </a:xfrm>
-      </p:grpSpPr>
-      <p:sp>
-        <p:nvSpPr>
-          <p:cNvPr id="2" name="標題 1"/>
-          <p:cNvSpPr>
-            <a:spLocks noGrp="1"/>
-          </p:cNvSpPr>
-          <p:nvPr>
-            <p:ph type="title"/>
-          </p:nvPr>
-        </p:nvSpPr>
-        <p:spPr/>
-        <p:txBody>
-          <a:bodyPr/>
-          <a:lstStyle/>
-          <a:p>
-            <a:r>
-              <a:rPr kumimoji="1" lang="en-US" altLang="zh-TW" dirty="0" err="1" smtClean="0"/>
-              <a:t>rastrigin</a:t>
-            </a:r>
-            <a:r>
-              <a:rPr kumimoji="1" lang="en-US" altLang="zh-TW" dirty="0" smtClean="0"/>
-              <a:t> </a:t>
-            </a:r>
-            <a:r>
-              <a:rPr kumimoji="1" lang="en-US" altLang="zh-TW" dirty="0"/>
-              <a:t>Function</a:t>
-            </a:r>
-            <a:br>
-              <a:rPr kumimoji="1" lang="en-US" altLang="zh-TW" dirty="0"/>
-            </a:br>
-            <a:r>
-              <a:rPr kumimoji="1" lang="en-US" altLang="zh-TW" dirty="0"/>
-              <a:t>- Process (</a:t>
-            </a:r>
-            <a:r>
-              <a:rPr kumimoji="1" lang="en-US" altLang="zh-TW" dirty="0" smtClean="0"/>
-              <a:t>1/7)</a:t>
-            </a:r>
-            <a:endParaRPr kumimoji="1" lang="zh-TW" altLang="en-US" dirty="0"/>
-          </a:p>
-        </p:txBody>
-      </p:sp>
-      <p:pic>
-        <p:nvPicPr>
-          <p:cNvPr id="4" name="內容版面配置區 3" descr="r1.png"/>
-          <p:cNvPicPr>
-            <a:picLocks noGrp="1" noChangeAspect="1"/>
-          </p:cNvPicPr>
-          <p:nvPr>
-            <p:ph idx="1"/>
-          </p:nvPr>
-        </p:nvPicPr>
-        <p:blipFill>
-          <a:blip r:embed="rId2">
-            <a:extLst>
-              <a:ext uri="{28A0092B-C50C-407E-A947-70E740481C1C}">
-                <a14:useLocalDpi xmlns:a14="http://schemas.microsoft.com/office/drawing/2010/main" val="0"/>
-              </a:ext>
-            </a:extLst>
-          </a:blip>
-          <a:srcRect t="10632" b="10632"/>
-          <a:stretch>
-            <a:fillRect/>
-          </a:stretch>
-        </p:blipFill>
-        <p:spPr/>
-      </p:pic>
-    </p:spTree>
-    <p:extLst>
-      <p:ext uri="{BB962C8B-B14F-4D97-AF65-F5344CB8AC3E}">
-        <p14:creationId xmlns:p14="http://schemas.microsoft.com/office/powerpoint/2010/main" val="1704062774"/>
-      </p:ext>
-    </p:extLst>
-  </p:cSld>
-  <p:clrMapOvr>
-    <a:masterClrMapping/>
-  </p:clrMapOvr>
-  <p:timing>
-    <p:tnLst>
-      <p:par>
-        <p:cTn xmlns:p14="http://schemas.microsoft.com/office/powerpoint/2010/main" id="1" dur="indefinite" restart="never" nodeType="tmRoot"/>
-      </p:par>
-    </p:tnLst>
-  </p:timing>
-</p:sld>
-</file>
-
-<file path=ppt/slides/slide13.xml><?xml version="1.0" encoding="utf-8"?>
-<p:sld xmlns:a="http://schemas.openxmlformats.org/drawingml/2006/main" xmlns:r="http://schemas.openxmlformats.org/officeDocument/2006/relationships" xmlns:p="http://schemas.openxmlformats.org/presentationml/2006/main">
-  <p:cSld>
-    <p:spTree>
-      <p:nvGrpSpPr>
-        <p:cNvPr id="1" name=""/>
-        <p:cNvGrpSpPr/>
-        <p:nvPr/>
-      </p:nvGrpSpPr>
-      <p:grpSpPr>
-        <a:xfrm>
-          <a:off x="0" y="0"/>
-          <a:ext cx="0" cy="0"/>
-          <a:chOff x="0" y="0"/>
-          <a:chExt cx="0" cy="0"/>
-        </a:xfrm>
-      </p:grpSpPr>
-      <p:sp>
-        <p:nvSpPr>
-          <p:cNvPr id="2" name="標題 1"/>
-          <p:cNvSpPr>
-            <a:spLocks noGrp="1"/>
-          </p:cNvSpPr>
-          <p:nvPr>
-            <p:ph type="title"/>
-          </p:nvPr>
-        </p:nvSpPr>
-        <p:spPr/>
-        <p:txBody>
-          <a:bodyPr/>
-          <a:lstStyle/>
-          <a:p>
-            <a:r>
-              <a:rPr kumimoji="1" lang="en-US" altLang="zh-TW" dirty="0" err="1" smtClean="0"/>
-              <a:t>rastrigin</a:t>
-            </a:r>
-            <a:r>
-              <a:rPr kumimoji="1" lang="en-US" altLang="zh-TW" dirty="0" smtClean="0"/>
-              <a:t> </a:t>
-            </a:r>
-            <a:r>
-              <a:rPr kumimoji="1" lang="en-US" altLang="zh-TW" dirty="0"/>
-              <a:t>Function</a:t>
-            </a:r>
-            <a:br>
-              <a:rPr kumimoji="1" lang="en-US" altLang="zh-TW" dirty="0"/>
-            </a:br>
-            <a:r>
-              <a:rPr kumimoji="1" lang="en-US" altLang="zh-TW" dirty="0"/>
-              <a:t>- Process (</a:t>
-            </a:r>
-            <a:r>
-              <a:rPr kumimoji="1" lang="en-US" altLang="zh-TW" dirty="0" smtClean="0"/>
-              <a:t>2/7)</a:t>
-            </a:r>
-            <a:endParaRPr kumimoji="1" lang="zh-TW" altLang="en-US" dirty="0"/>
-          </a:p>
-        </p:txBody>
-      </p:sp>
-      <p:pic>
-        <p:nvPicPr>
-          <p:cNvPr id="4" name="內容版面配置區 3" descr="r2.png"/>
-          <p:cNvPicPr>
-            <a:picLocks noGrp="1" noChangeAspect="1"/>
-          </p:cNvPicPr>
-          <p:nvPr>
-            <p:ph idx="1"/>
-          </p:nvPr>
-        </p:nvPicPr>
-        <p:blipFill>
-          <a:blip r:embed="rId2">
-            <a:extLst>
-              <a:ext uri="{28A0092B-C50C-407E-A947-70E740481C1C}">
-                <a14:useLocalDpi xmlns:a14="http://schemas.microsoft.com/office/drawing/2010/main" val="0"/>
-              </a:ext>
-            </a:extLst>
-          </a:blip>
-          <a:srcRect t="10632" b="10632"/>
-          <a:stretch>
-            <a:fillRect/>
-          </a:stretch>
-        </p:blipFill>
-        <p:spPr/>
-      </p:pic>
-    </p:spTree>
-    <p:extLst>
-      <p:ext uri="{BB962C8B-B14F-4D97-AF65-F5344CB8AC3E}">
-        <p14:creationId xmlns:p14="http://schemas.microsoft.com/office/powerpoint/2010/main" val="2179935175"/>
-      </p:ext>
-    </p:extLst>
-  </p:cSld>
-  <p:clrMapOvr>
-    <a:masterClrMapping/>
-  </p:clrMapOvr>
-  <p:timing>
-    <p:tnLst>
-      <p:par>
-        <p:cTn xmlns:p14="http://schemas.microsoft.com/office/powerpoint/2010/main" id="1" dur="indefinite" restart="never" nodeType="tmRoot"/>
-      </p:par>
-    </p:tnLst>
-  </p:timing>
-</p:sld>
-</file>
-
-<file path=ppt/slides/slide14.xml><?xml version="1.0" encoding="utf-8"?>
-<p:sld xmlns:a="http://schemas.openxmlformats.org/drawingml/2006/main" xmlns:r="http://schemas.openxmlformats.org/officeDocument/2006/relationships" xmlns:p="http://schemas.openxmlformats.org/presentationml/2006/main">
-  <p:cSld>
-    <p:spTree>
-      <p:nvGrpSpPr>
-        <p:cNvPr id="1" name=""/>
-        <p:cNvGrpSpPr/>
-        <p:nvPr/>
-      </p:nvGrpSpPr>
-      <p:grpSpPr>
-        <a:xfrm>
-          <a:off x="0" y="0"/>
-          <a:ext cx="0" cy="0"/>
-          <a:chOff x="0" y="0"/>
-          <a:chExt cx="0" cy="0"/>
-        </a:xfrm>
-      </p:grpSpPr>
-      <p:sp>
-        <p:nvSpPr>
-          <p:cNvPr id="2" name="標題 1"/>
-          <p:cNvSpPr>
-            <a:spLocks noGrp="1"/>
-          </p:cNvSpPr>
-          <p:nvPr>
-            <p:ph type="title"/>
-          </p:nvPr>
-        </p:nvSpPr>
-        <p:spPr/>
-        <p:txBody>
-          <a:bodyPr/>
-          <a:lstStyle/>
-          <a:p>
-            <a:r>
-              <a:rPr kumimoji="1" lang="en-US" altLang="zh-TW" dirty="0" err="1" smtClean="0"/>
-              <a:t>rastrigin</a:t>
-            </a:r>
-            <a:r>
-              <a:rPr kumimoji="1" lang="en-US" altLang="zh-TW" dirty="0" smtClean="0"/>
-              <a:t> </a:t>
-            </a:r>
-            <a:r>
-              <a:rPr kumimoji="1" lang="en-US" altLang="zh-TW" dirty="0"/>
-              <a:t>Function</a:t>
-            </a:r>
-            <a:br>
-              <a:rPr kumimoji="1" lang="en-US" altLang="zh-TW" dirty="0"/>
-            </a:br>
-            <a:r>
-              <a:rPr kumimoji="1" lang="en-US" altLang="zh-TW" dirty="0"/>
-              <a:t>- Process (</a:t>
-            </a:r>
-            <a:r>
-              <a:rPr kumimoji="1" lang="en-US" altLang="zh-TW" dirty="0" smtClean="0"/>
-              <a:t>3/7)</a:t>
-            </a:r>
-            <a:endParaRPr kumimoji="1" lang="zh-TW" altLang="en-US" dirty="0"/>
-          </a:p>
-        </p:txBody>
-      </p:sp>
-      <p:pic>
-        <p:nvPicPr>
-          <p:cNvPr id="4" name="內容版面配置區 3" descr="r3.png"/>
-          <p:cNvPicPr>
-            <a:picLocks noGrp="1" noChangeAspect="1"/>
-          </p:cNvPicPr>
-          <p:nvPr>
-            <p:ph idx="1"/>
-          </p:nvPr>
-        </p:nvPicPr>
-        <p:blipFill>
-          <a:blip r:embed="rId2">
-            <a:extLst>
-              <a:ext uri="{28A0092B-C50C-407E-A947-70E740481C1C}">
-                <a14:useLocalDpi xmlns:a14="http://schemas.microsoft.com/office/drawing/2010/main" val="0"/>
-              </a:ext>
-            </a:extLst>
-          </a:blip>
-          <a:srcRect t="10632" b="10632"/>
-          <a:stretch>
-            <a:fillRect/>
-          </a:stretch>
-        </p:blipFill>
-        <p:spPr/>
-      </p:pic>
-    </p:spTree>
-    <p:extLst>
-      <p:ext uri="{BB962C8B-B14F-4D97-AF65-F5344CB8AC3E}">
-        <p14:creationId xmlns:p14="http://schemas.microsoft.com/office/powerpoint/2010/main" val="2179935175"/>
-      </p:ext>
-    </p:extLst>
-  </p:cSld>
-  <p:clrMapOvr>
-    <a:masterClrMapping/>
-  </p:clrMapOvr>
-  <p:timing>
-    <p:tnLst>
-      <p:par>
-        <p:cTn xmlns:p14="http://schemas.microsoft.com/office/powerpoint/2010/main" id="1" dur="indefinite" restart="never" nodeType="tmRoot"/>
-      </p:par>
-    </p:tnLst>
-  </p:timing>
-</p:sld>
-</file>
-
-<file path=ppt/slides/slide15.xml><?xml version="1.0" encoding="utf-8"?>
-<p:sld xmlns:a="http://schemas.openxmlformats.org/drawingml/2006/main" xmlns:r="http://schemas.openxmlformats.org/officeDocument/2006/relationships" xmlns:p="http://schemas.openxmlformats.org/presentationml/2006/main">
-  <p:cSld>
-    <p:spTree>
-      <p:nvGrpSpPr>
-        <p:cNvPr id="1" name=""/>
-        <p:cNvGrpSpPr/>
-        <p:nvPr/>
-      </p:nvGrpSpPr>
-      <p:grpSpPr>
-        <a:xfrm>
-          <a:off x="0" y="0"/>
-          <a:ext cx="0" cy="0"/>
-          <a:chOff x="0" y="0"/>
-          <a:chExt cx="0" cy="0"/>
-        </a:xfrm>
-      </p:grpSpPr>
-      <p:sp>
-        <p:nvSpPr>
-          <p:cNvPr id="2" name="標題 1"/>
-          <p:cNvSpPr>
-            <a:spLocks noGrp="1"/>
-          </p:cNvSpPr>
-          <p:nvPr>
-            <p:ph type="title"/>
-          </p:nvPr>
-        </p:nvSpPr>
-        <p:spPr/>
-        <p:txBody>
-          <a:bodyPr/>
-          <a:lstStyle/>
-          <a:p>
-            <a:r>
-              <a:rPr kumimoji="1" lang="en-US" altLang="zh-TW" dirty="0" err="1" smtClean="0"/>
-              <a:t>rastrigin</a:t>
-            </a:r>
-            <a:r>
-              <a:rPr kumimoji="1" lang="en-US" altLang="zh-TW" dirty="0" smtClean="0"/>
-              <a:t> </a:t>
-            </a:r>
-            <a:r>
-              <a:rPr kumimoji="1" lang="en-US" altLang="zh-TW" dirty="0"/>
-              <a:t>Function</a:t>
-            </a:r>
-            <a:br>
-              <a:rPr kumimoji="1" lang="en-US" altLang="zh-TW" dirty="0"/>
-            </a:br>
-            <a:r>
-              <a:rPr kumimoji="1" lang="en-US" altLang="zh-TW" dirty="0"/>
-              <a:t>- Process (</a:t>
-            </a:r>
-            <a:r>
-              <a:rPr kumimoji="1" lang="en-US" altLang="zh-TW" dirty="0" smtClean="0"/>
-              <a:t>4/7)</a:t>
-            </a:r>
-            <a:endParaRPr kumimoji="1" lang="zh-TW" altLang="en-US" dirty="0"/>
-          </a:p>
-        </p:txBody>
-      </p:sp>
-      <p:pic>
-        <p:nvPicPr>
-          <p:cNvPr id="4" name="內容版面配置區 3" descr="r4.png"/>
-          <p:cNvPicPr>
-            <a:picLocks noGrp="1" noChangeAspect="1"/>
-          </p:cNvPicPr>
-          <p:nvPr>
-            <p:ph idx="1"/>
-          </p:nvPr>
-        </p:nvPicPr>
-        <p:blipFill>
-          <a:blip r:embed="rId2">
-            <a:extLst>
-              <a:ext uri="{28A0092B-C50C-407E-A947-70E740481C1C}">
-                <a14:useLocalDpi xmlns:a14="http://schemas.microsoft.com/office/drawing/2010/main" val="0"/>
-              </a:ext>
-            </a:extLst>
-          </a:blip>
-          <a:srcRect t="10632" b="10632"/>
-          <a:stretch>
-            <a:fillRect/>
-          </a:stretch>
-        </p:blipFill>
-        <p:spPr/>
-      </p:pic>
-    </p:spTree>
-    <p:extLst>
-      <p:ext uri="{BB962C8B-B14F-4D97-AF65-F5344CB8AC3E}">
-        <p14:creationId xmlns:p14="http://schemas.microsoft.com/office/powerpoint/2010/main" val="2179935175"/>
-      </p:ext>
-    </p:extLst>
-  </p:cSld>
-  <p:clrMapOvr>
-    <a:masterClrMapping/>
-  </p:clrMapOvr>
-  <p:timing>
-    <p:tnLst>
-      <p:par>
-        <p:cTn xmlns:p14="http://schemas.microsoft.com/office/powerpoint/2010/main" id="1" dur="indefinite" restart="never" nodeType="tmRoot"/>
-      </p:par>
-    </p:tnLst>
-  </p:timing>
-</p:sld>
-</file>
-
-<file path=ppt/slides/slide16.xml><?xml version="1.0" encoding="utf-8"?>
-<p:sld xmlns:a="http://schemas.openxmlformats.org/drawingml/2006/main" xmlns:r="http://schemas.openxmlformats.org/officeDocument/2006/relationships" xmlns:p="http://schemas.openxmlformats.org/presentationml/2006/main">
-  <p:cSld>
-    <p:spTree>
-      <p:nvGrpSpPr>
-        <p:cNvPr id="1" name=""/>
-        <p:cNvGrpSpPr/>
-        <p:nvPr/>
-      </p:nvGrpSpPr>
-      <p:grpSpPr>
-        <a:xfrm>
-          <a:off x="0" y="0"/>
-          <a:ext cx="0" cy="0"/>
-          <a:chOff x="0" y="0"/>
-          <a:chExt cx="0" cy="0"/>
-        </a:xfrm>
-      </p:grpSpPr>
-      <p:sp>
-        <p:nvSpPr>
-          <p:cNvPr id="2" name="標題 1"/>
-          <p:cNvSpPr>
-            <a:spLocks noGrp="1"/>
-          </p:cNvSpPr>
-          <p:nvPr>
-            <p:ph type="title"/>
-          </p:nvPr>
-        </p:nvSpPr>
-        <p:spPr/>
-        <p:txBody>
-          <a:bodyPr/>
-          <a:lstStyle/>
-          <a:p>
-            <a:r>
-              <a:rPr kumimoji="1" lang="en-US" altLang="zh-TW" dirty="0" err="1" smtClean="0"/>
-              <a:t>rastrigin</a:t>
-            </a:r>
-            <a:r>
-              <a:rPr kumimoji="1" lang="en-US" altLang="zh-TW" dirty="0" smtClean="0"/>
-              <a:t> </a:t>
-            </a:r>
-            <a:r>
-              <a:rPr kumimoji="1" lang="en-US" altLang="zh-TW" dirty="0"/>
-              <a:t>Function</a:t>
-            </a:r>
-            <a:br>
-              <a:rPr kumimoji="1" lang="en-US" altLang="zh-TW" dirty="0"/>
-            </a:br>
-            <a:r>
-              <a:rPr kumimoji="1" lang="en-US" altLang="zh-TW" dirty="0"/>
-              <a:t>- Process (</a:t>
-            </a:r>
-            <a:r>
-              <a:rPr kumimoji="1" lang="en-US" altLang="zh-TW" dirty="0" smtClean="0"/>
-              <a:t>5/7)</a:t>
-            </a:r>
-            <a:endParaRPr kumimoji="1" lang="zh-TW" altLang="en-US" dirty="0"/>
-          </a:p>
-        </p:txBody>
-      </p:sp>
-      <p:pic>
-        <p:nvPicPr>
-          <p:cNvPr id="4" name="內容版面配置區 3" descr="r5.png"/>
-          <p:cNvPicPr>
-            <a:picLocks noGrp="1" noChangeAspect="1"/>
-          </p:cNvPicPr>
-          <p:nvPr>
-            <p:ph idx="1"/>
-          </p:nvPr>
-        </p:nvPicPr>
-        <p:blipFill>
-          <a:blip r:embed="rId2">
-            <a:extLst>
-              <a:ext uri="{28A0092B-C50C-407E-A947-70E740481C1C}">
-                <a14:useLocalDpi xmlns:a14="http://schemas.microsoft.com/office/drawing/2010/main" val="0"/>
-              </a:ext>
-            </a:extLst>
-          </a:blip>
-          <a:srcRect t="10632" b="10632"/>
-          <a:stretch>
-            <a:fillRect/>
-          </a:stretch>
-        </p:blipFill>
-        <p:spPr/>
-      </p:pic>
-    </p:spTree>
-    <p:extLst>
-      <p:ext uri="{BB962C8B-B14F-4D97-AF65-F5344CB8AC3E}">
-        <p14:creationId xmlns:p14="http://schemas.microsoft.com/office/powerpoint/2010/main" val="2179935175"/>
-      </p:ext>
-    </p:extLst>
-  </p:cSld>
-  <p:clrMapOvr>
-    <a:masterClrMapping/>
-  </p:clrMapOvr>
-  <p:timing>
-    <p:tnLst>
-      <p:par>
-        <p:cTn xmlns:p14="http://schemas.microsoft.com/office/powerpoint/2010/main" id="1" dur="indefinite" restart="never" nodeType="tmRoot"/>
-      </p:par>
-    </p:tnLst>
-  </p:timing>
-</p:sld>
-</file>
-
-<file path=ppt/slides/slide17.xml><?xml version="1.0" encoding="utf-8"?>
-<p:sld xmlns:a="http://schemas.openxmlformats.org/drawingml/2006/main" xmlns:r="http://schemas.openxmlformats.org/officeDocument/2006/relationships" xmlns:p="http://schemas.openxmlformats.org/presentationml/2006/main">
-  <p:cSld>
-    <p:spTree>
-      <p:nvGrpSpPr>
-        <p:cNvPr id="1" name=""/>
-        <p:cNvGrpSpPr/>
-        <p:nvPr/>
-      </p:nvGrpSpPr>
-      <p:grpSpPr>
-        <a:xfrm>
-          <a:off x="0" y="0"/>
-          <a:ext cx="0" cy="0"/>
-          <a:chOff x="0" y="0"/>
-          <a:chExt cx="0" cy="0"/>
-        </a:xfrm>
-      </p:grpSpPr>
-      <p:sp>
-        <p:nvSpPr>
-          <p:cNvPr id="2" name="標題 1"/>
-          <p:cNvSpPr>
-            <a:spLocks noGrp="1"/>
-          </p:cNvSpPr>
-          <p:nvPr>
-            <p:ph type="title"/>
-          </p:nvPr>
-        </p:nvSpPr>
-        <p:spPr/>
-        <p:txBody>
-          <a:bodyPr/>
-          <a:lstStyle/>
-          <a:p>
-            <a:r>
-              <a:rPr kumimoji="1" lang="en-US" altLang="zh-TW" dirty="0" err="1" smtClean="0"/>
-              <a:t>rastrigin</a:t>
-            </a:r>
-            <a:r>
-              <a:rPr kumimoji="1" lang="en-US" altLang="zh-TW" dirty="0" smtClean="0"/>
-              <a:t> </a:t>
-            </a:r>
-            <a:r>
-              <a:rPr kumimoji="1" lang="en-US" altLang="zh-TW" dirty="0"/>
-              <a:t>Function</a:t>
-            </a:r>
-            <a:br>
-              <a:rPr kumimoji="1" lang="en-US" altLang="zh-TW" dirty="0"/>
-            </a:br>
-            <a:r>
-              <a:rPr kumimoji="1" lang="en-US" altLang="zh-TW" dirty="0"/>
-              <a:t>- Process (</a:t>
-            </a:r>
-            <a:r>
-              <a:rPr kumimoji="1" lang="en-US" altLang="zh-TW" dirty="0" smtClean="0"/>
-              <a:t>6/7)</a:t>
-            </a:r>
-            <a:endParaRPr kumimoji="1" lang="zh-TW" altLang="en-US" dirty="0"/>
-          </a:p>
-        </p:txBody>
-      </p:sp>
-      <p:pic>
-        <p:nvPicPr>
-          <p:cNvPr id="4" name="內容版面配置區 3" descr="r6.png"/>
-          <p:cNvPicPr>
-            <a:picLocks noGrp="1" noChangeAspect="1"/>
-          </p:cNvPicPr>
-          <p:nvPr>
-            <p:ph idx="1"/>
-          </p:nvPr>
-        </p:nvPicPr>
-        <p:blipFill>
-          <a:blip r:embed="rId2">
-            <a:extLst>
-              <a:ext uri="{28A0092B-C50C-407E-A947-70E740481C1C}">
-                <a14:useLocalDpi xmlns:a14="http://schemas.microsoft.com/office/drawing/2010/main" val="0"/>
-              </a:ext>
-            </a:extLst>
-          </a:blip>
-          <a:srcRect t="10632" b="10632"/>
-          <a:stretch>
-            <a:fillRect/>
-          </a:stretch>
-        </p:blipFill>
-        <p:spPr/>
-      </p:pic>
-    </p:spTree>
-    <p:extLst>
-      <p:ext uri="{BB962C8B-B14F-4D97-AF65-F5344CB8AC3E}">
-        <p14:creationId xmlns:p14="http://schemas.microsoft.com/office/powerpoint/2010/main" val="2179935175"/>
-      </p:ext>
-    </p:extLst>
-  </p:cSld>
-  <p:clrMapOvr>
-    <a:masterClrMapping/>
-  </p:clrMapOvr>
-  <p:timing>
-    <p:tnLst>
-      <p:par>
-        <p:cTn xmlns:p14="http://schemas.microsoft.com/office/powerpoint/2010/main" id="1" dur="indefinite" restart="never" nodeType="tmRoot"/>
-      </p:par>
-    </p:tnLst>
-  </p:timing>
-</p:sld>
-</file>
-
-<file path=ppt/slides/slide18.xml><?xml version="1.0" encoding="utf-8"?>
-<p:sld xmlns:a="http://schemas.openxmlformats.org/drawingml/2006/main" xmlns:r="http://schemas.openxmlformats.org/officeDocument/2006/relationships" xmlns:p="http://schemas.openxmlformats.org/presentationml/2006/main">
-  <p:cSld>
-    <p:spTree>
-      <p:nvGrpSpPr>
-        <p:cNvPr id="1" name=""/>
-        <p:cNvGrpSpPr/>
-        <p:nvPr/>
-      </p:nvGrpSpPr>
-      <p:grpSpPr>
-        <a:xfrm>
-          <a:off x="0" y="0"/>
-          <a:ext cx="0" cy="0"/>
-          <a:chOff x="0" y="0"/>
-          <a:chExt cx="0" cy="0"/>
-        </a:xfrm>
-      </p:grpSpPr>
-      <p:sp>
-        <p:nvSpPr>
-          <p:cNvPr id="2" name="標題 1"/>
-          <p:cNvSpPr>
-            <a:spLocks noGrp="1"/>
-          </p:cNvSpPr>
-          <p:nvPr>
-            <p:ph type="title"/>
-          </p:nvPr>
-        </p:nvSpPr>
-        <p:spPr/>
-        <p:txBody>
-          <a:bodyPr/>
-          <a:lstStyle/>
-          <a:p>
-            <a:r>
-              <a:rPr kumimoji="1" lang="en-US" altLang="zh-TW" dirty="0" err="1" smtClean="0"/>
-              <a:t>rastrigin</a:t>
-            </a:r>
-            <a:r>
-              <a:rPr kumimoji="1" lang="en-US" altLang="zh-TW" dirty="0" smtClean="0"/>
-              <a:t> </a:t>
-            </a:r>
-            <a:r>
-              <a:rPr kumimoji="1" lang="en-US" altLang="zh-TW" dirty="0"/>
-              <a:t>Function</a:t>
-            </a:r>
-            <a:br>
-              <a:rPr kumimoji="1" lang="en-US" altLang="zh-TW" dirty="0"/>
-            </a:br>
-            <a:r>
-              <a:rPr kumimoji="1" lang="en-US" altLang="zh-TW" dirty="0"/>
-              <a:t>- Process (</a:t>
-            </a:r>
-            <a:r>
-              <a:rPr kumimoji="1" lang="en-US" altLang="zh-TW" dirty="0" smtClean="0"/>
-              <a:t>7/7)</a:t>
-            </a:r>
-            <a:endParaRPr kumimoji="1" lang="zh-TW" altLang="en-US" dirty="0"/>
-          </a:p>
-        </p:txBody>
-      </p:sp>
-      <p:pic>
-        <p:nvPicPr>
-          <p:cNvPr id="4" name="內容版面配置區 3" descr="r7.png"/>
-          <p:cNvPicPr>
-            <a:picLocks noGrp="1" noChangeAspect="1"/>
-          </p:cNvPicPr>
-          <p:nvPr>
-            <p:ph idx="1"/>
-          </p:nvPr>
-        </p:nvPicPr>
-        <p:blipFill>
-          <a:blip r:embed="rId2">
-            <a:extLst>
-              <a:ext uri="{28A0092B-C50C-407E-A947-70E740481C1C}">
-                <a14:useLocalDpi xmlns:a14="http://schemas.microsoft.com/office/drawing/2010/main" val="0"/>
-              </a:ext>
-            </a:extLst>
-          </a:blip>
-          <a:srcRect t="10632" b="10632"/>
-          <a:stretch>
-            <a:fillRect/>
-          </a:stretch>
-        </p:blipFill>
-        <p:spPr/>
-      </p:pic>
-    </p:spTree>
-    <p:extLst>
-      <p:ext uri="{BB962C8B-B14F-4D97-AF65-F5344CB8AC3E}">
-        <p14:creationId xmlns:p14="http://schemas.microsoft.com/office/powerpoint/2010/main" val="2179935175"/>
-      </p:ext>
-    </p:extLst>
-  </p:cSld>
-  <p:clrMapOvr>
-    <a:masterClrMapping/>
-  </p:clrMapOvr>
-  <p:timing>
-    <p:tnLst>
-      <p:par>
-        <p:cTn xmlns:p14="http://schemas.microsoft.com/office/powerpoint/2010/main" id="1" dur="indefinite" restart="never" nodeType="tmRoot"/>
-      </p:par>
-    </p:tnLst>
-  </p:timing>
-</p:sld>
-</file>
-
-<file path=ppt/slides/slide19.xml><?xml version="1.0" encoding="utf-8"?>
 <p:sld xmlns:a="http://schemas.openxmlformats.org/drawingml/2006/main" xmlns:r="http://schemas.openxmlformats.org/officeDocument/2006/relationships" xmlns:p="http://schemas.openxmlformats.org/presentationml/2006/main">
   <p:cSld>
     <p:spTree>
@@ -4735,7 +4022,7 @@
         </p:nvSpPr>
         <p:spPr/>
         <p:txBody>
-          <a:bodyPr>
+          <a:bodyPr anchor="ctr">
             <a:normAutofit/>
           </a:bodyPr>
           <a:lstStyle/>
@@ -4752,13 +4039,6 @@
               <a:rPr kumimoji="1" lang="en-US" altLang="zh-TW" dirty="0" smtClean="0"/>
               <a:t>Function</a:t>
             </a:r>
-            <a:br>
-              <a:rPr kumimoji="1" lang="en-US" altLang="zh-TW" dirty="0" smtClean="0"/>
-            </a:br>
-            <a:r>
-              <a:rPr kumimoji="1" lang="en-US" altLang="zh-TW" dirty="0" smtClean="0"/>
-              <a:t>- The global minima</a:t>
-            </a:r>
             <a:endParaRPr kumimoji="1" lang="zh-TW" altLang="en-US" dirty="0"/>
           </a:p>
         </p:txBody>
@@ -4776,9 +4056,48 @@
         <p:spPr/>
         <p:txBody>
           <a:bodyPr anchor="b">
-            <a:normAutofit/>
+            <a:normAutofit fontScale="77500" lnSpcReduction="20000"/>
           </a:bodyPr>
           <a:lstStyle/>
+          <a:p>
+            <a:pPr algn="ctr"/>
+            <a:endParaRPr kumimoji="1" lang="en-US" altLang="zh-TW" sz="4000" dirty="0" smtClean="0"/>
+          </a:p>
+          <a:p>
+            <a:pPr algn="ctr"/>
+            <a:endParaRPr kumimoji="1" lang="en-US" altLang="zh-TW" sz="4000" dirty="0"/>
+          </a:p>
+          <a:p>
+            <a:pPr algn="ctr"/>
+            <a:endParaRPr kumimoji="1" lang="en-US" altLang="zh-TW" sz="4000" dirty="0" smtClean="0"/>
+          </a:p>
+          <a:p>
+            <a:pPr algn="ctr"/>
+            <a:endParaRPr kumimoji="1" lang="en-US" altLang="zh-TW" sz="4000" dirty="0"/>
+          </a:p>
+          <a:p>
+            <a:pPr algn="ctr"/>
+            <a:endParaRPr kumimoji="1" lang="en-US" altLang="zh-TW" sz="4000" dirty="0" smtClean="0"/>
+          </a:p>
+          <a:p>
+            <a:pPr algn="ctr"/>
+            <a:endParaRPr kumimoji="1" lang="en-US" altLang="zh-TW" sz="4000" dirty="0" smtClean="0"/>
+          </a:p>
+          <a:p>
+            <a:pPr algn="ctr"/>
+            <a:r>
+              <a:rPr kumimoji="1" lang="en-US" altLang="zh-TW" sz="4000" dirty="0" smtClean="0"/>
+              <a:t>The </a:t>
+            </a:r>
+            <a:r>
+              <a:rPr kumimoji="1" lang="en-US" altLang="zh-TW" sz="4000" dirty="0"/>
+              <a:t>global </a:t>
+            </a:r>
+            <a:r>
+              <a:rPr kumimoji="1" lang="en-US" altLang="zh-TW" sz="4000" dirty="0" smtClean="0"/>
+              <a:t>minima</a:t>
+            </a:r>
+          </a:p>
           <a:p>
             <a:pPr algn="ctr"/>
             <a:r>
@@ -4791,7 +4110,11 @@
             </a:r>
             <a:r>
               <a:rPr kumimoji="1" lang="en-US" altLang="zh-TW" sz="4000" dirty="0" smtClean="0"/>
-              <a:t> = (0, 0) , f(x</a:t>
+              <a:t> </a:t>
+            </a:r>
+            <a:r>
+              <a:rPr kumimoji="1" lang="en-US" altLang="zh-TW" sz="4000" dirty="0" smtClean="0"/>
+              <a:t>= (0, 0) , f(x</a:t>
             </a:r>
             <a:r>
               <a:rPr kumimoji="1" lang="en-US" altLang="zh-TW" sz="4000" baseline="30000" dirty="0" smtClean="0"/>
@@ -4809,6 +4132,877 @@
     <p:extLst>
       <p:ext uri="{BB962C8B-B14F-4D97-AF65-F5344CB8AC3E}">
         <p14:creationId xmlns:p14="http://schemas.microsoft.com/office/powerpoint/2010/main" val="637066654"/>
+      </p:ext>
+    </p:extLst>
+  </p:cSld>
+  <p:clrMapOvr>
+    <a:masterClrMapping/>
+  </p:clrMapOvr>
+  <p:timing>
+    <p:tnLst>
+      <p:par>
+        <p:cTn xmlns:p14="http://schemas.microsoft.com/office/powerpoint/2010/main" id="1" dur="indefinite" restart="never" nodeType="tmRoot"/>
+      </p:par>
+    </p:tnLst>
+  </p:timing>
+</p:sld>
+</file>
+
+<file path=ppt/slides/slide13.xml><?xml version="1.0" encoding="utf-8"?>
+<p:sld xmlns:a="http://schemas.openxmlformats.org/drawingml/2006/main" xmlns:r="http://schemas.openxmlformats.org/officeDocument/2006/relationships" xmlns:p="http://schemas.openxmlformats.org/presentationml/2006/main">
+  <p:cSld>
+    <p:spTree>
+      <p:nvGrpSpPr>
+        <p:cNvPr id="1" name=""/>
+        <p:cNvGrpSpPr/>
+        <p:nvPr/>
+      </p:nvGrpSpPr>
+      <p:grpSpPr>
+        <a:xfrm>
+          <a:off x="0" y="0"/>
+          <a:ext cx="0" cy="0"/>
+          <a:chOff x="0" y="0"/>
+          <a:chExt cx="0" cy="0"/>
+        </a:xfrm>
+      </p:grpSpPr>
+      <p:sp>
+        <p:nvSpPr>
+          <p:cNvPr id="2" name="標題 1"/>
+          <p:cNvSpPr>
+            <a:spLocks noGrp="1"/>
+          </p:cNvSpPr>
+          <p:nvPr>
+            <p:ph type="title"/>
+          </p:nvPr>
+        </p:nvSpPr>
+        <p:spPr/>
+        <p:txBody>
+          <a:bodyPr/>
+          <a:lstStyle/>
+          <a:p>
+            <a:r>
+              <a:rPr kumimoji="1" lang="en-US" altLang="zh-TW" dirty="0" err="1" smtClean="0"/>
+              <a:t>Rastrigin</a:t>
+            </a:r>
+            <a:r>
+              <a:rPr kumimoji="1" lang="en-US" altLang="zh-TW" dirty="0" smtClean="0"/>
+              <a:t> function</a:t>
+            </a:r>
+            <a:br>
+              <a:rPr kumimoji="1" lang="en-US" altLang="zh-TW" dirty="0" smtClean="0"/>
+            </a:br>
+            <a:r>
+              <a:rPr kumimoji="1" lang="en-US" altLang="zh-TW" dirty="0" smtClean="0"/>
+              <a:t>- PARAMETERS</a:t>
+            </a:r>
+            <a:endParaRPr kumimoji="1" lang="zh-TW" altLang="en-US" dirty="0"/>
+          </a:p>
+        </p:txBody>
+      </p:sp>
+      <p:sp>
+        <p:nvSpPr>
+          <p:cNvPr id="3" name="內容版面配置區 2"/>
+          <p:cNvSpPr>
+            <a:spLocks noGrp="1"/>
+          </p:cNvSpPr>
+          <p:nvPr>
+            <p:ph idx="1"/>
+          </p:nvPr>
+        </p:nvSpPr>
+        <p:spPr/>
+        <p:txBody>
+          <a:bodyPr>
+            <a:normAutofit/>
+          </a:bodyPr>
+          <a:lstStyle/>
+          <a:p>
+            <a:pPr marL="342900" indent="-342900">
+              <a:buFont typeface="Arial"/>
+              <a:buChar char="•"/>
+            </a:pPr>
+            <a:r>
+              <a:rPr kumimoji="1" lang="en-US" altLang="zh-TW" dirty="0" smtClean="0"/>
+              <a:t>Particle </a:t>
+            </a:r>
+            <a:r>
+              <a:rPr kumimoji="1" lang="en-US" altLang="zh-TW" dirty="0"/>
+              <a:t>number: </a:t>
+            </a:r>
+            <a:r>
+              <a:rPr kumimoji="1" lang="en-US" altLang="zh-TW" dirty="0" smtClean="0"/>
+              <a:t>100</a:t>
+            </a:r>
+          </a:p>
+          <a:p>
+            <a:pPr marL="342900" indent="-342900">
+              <a:buFont typeface="Arial"/>
+              <a:buChar char="•"/>
+            </a:pPr>
+            <a:r>
+              <a:rPr kumimoji="1" lang="en-US" altLang="zh-TW" dirty="0"/>
+              <a:t>Search domain: </a:t>
+            </a:r>
+            <a:r>
+              <a:rPr kumimoji="1" lang="en-US" altLang="zh-TW" dirty="0" smtClean="0"/>
+              <a:t>-4 </a:t>
+            </a:r>
+            <a:r>
+              <a:rPr kumimoji="1" lang="en-US" altLang="zh-TW" dirty="0"/>
+              <a:t>&lt; X</a:t>
+            </a:r>
+            <a:r>
+              <a:rPr kumimoji="1" lang="en-US" altLang="zh-TW" baseline="-25000" dirty="0"/>
+              <a:t>i</a:t>
+            </a:r>
+            <a:r>
+              <a:rPr kumimoji="1" lang="en-US" altLang="zh-TW" dirty="0"/>
+              <a:t> &lt; 4</a:t>
+            </a:r>
+          </a:p>
+          <a:p>
+            <a:pPr marL="342900" indent="-342900">
+              <a:buFont typeface="Arial"/>
+              <a:buChar char="•"/>
+            </a:pPr>
+            <a:r>
+              <a:rPr kumimoji="1" lang="en-US" altLang="zh-TW" dirty="0"/>
+              <a:t>C</a:t>
+            </a:r>
+            <a:r>
+              <a:rPr kumimoji="1" lang="en-US" altLang="zh-TW" baseline="-25000" dirty="0"/>
+              <a:t>1</a:t>
+            </a:r>
+            <a:r>
+              <a:rPr kumimoji="1" lang="en-US" altLang="zh-TW" dirty="0"/>
+              <a:t>: 2</a:t>
+            </a:r>
+          </a:p>
+          <a:p>
+            <a:pPr marL="342900" indent="-342900">
+              <a:buFont typeface="Arial"/>
+              <a:buChar char="•"/>
+            </a:pPr>
+            <a:r>
+              <a:rPr kumimoji="1" lang="en-US" altLang="zh-TW" dirty="0"/>
+              <a:t>C</a:t>
+            </a:r>
+            <a:r>
+              <a:rPr kumimoji="1" lang="en-US" altLang="zh-TW" baseline="-25000" dirty="0"/>
+              <a:t>2</a:t>
+            </a:r>
+            <a:r>
+              <a:rPr kumimoji="1" lang="en-US" altLang="zh-TW" dirty="0"/>
+              <a:t>: 2</a:t>
+            </a:r>
+          </a:p>
+          <a:p>
+            <a:pPr marL="342900" indent="-342900">
+              <a:buFont typeface="Arial"/>
+              <a:buChar char="•"/>
+            </a:pPr>
+            <a:r>
+              <a:rPr kumimoji="1" lang="en-US" altLang="zh-TW" dirty="0"/>
+              <a:t>Rand</a:t>
+            </a:r>
+            <a:r>
+              <a:rPr kumimoji="1" lang="en-US" altLang="zh-TW" baseline="-25000" dirty="0"/>
+              <a:t>1</a:t>
+            </a:r>
+            <a:r>
+              <a:rPr kumimoji="1" lang="en-US" altLang="zh-TW" dirty="0"/>
+              <a:t>: 0.28019110555769167 </a:t>
+            </a:r>
+          </a:p>
+          <a:p>
+            <a:pPr marL="342900" indent="-342900">
+              <a:buFont typeface="Arial"/>
+              <a:buChar char="•"/>
+            </a:pPr>
+            <a:r>
+              <a:rPr kumimoji="1" lang="en-US" altLang="zh-TW" dirty="0"/>
+              <a:t>Rand</a:t>
+            </a:r>
+            <a:r>
+              <a:rPr kumimoji="1" lang="en-US" altLang="zh-TW" baseline="-25000" dirty="0"/>
+              <a:t>2</a:t>
+            </a:r>
+            <a:r>
+              <a:rPr kumimoji="1" lang="en-US" altLang="zh-TW" dirty="0"/>
+              <a:t>: 0.081576937926788</a:t>
+            </a:r>
+          </a:p>
+          <a:p>
+            <a:pPr marL="342900" indent="-342900">
+              <a:buFont typeface="Arial"/>
+              <a:buChar char="•"/>
+            </a:pPr>
+            <a:r>
+              <a:rPr kumimoji="1" lang="en-US" altLang="zh-TW" dirty="0"/>
+              <a:t>V</a:t>
+            </a:r>
+            <a:r>
+              <a:rPr kumimoji="1" lang="en-US" altLang="zh-TW" baseline="-25000" dirty="0"/>
+              <a:t>0</a:t>
+            </a:r>
+            <a:r>
+              <a:rPr kumimoji="1" lang="en-US" altLang="zh-TW" dirty="0"/>
+              <a:t>: [0, 0]</a:t>
+            </a:r>
+          </a:p>
+          <a:p>
+            <a:pPr marL="342900" indent="-342900">
+              <a:buFont typeface="Arial"/>
+              <a:buChar char="•"/>
+            </a:pPr>
+            <a:r>
+              <a:rPr kumimoji="1" lang="en-US" altLang="zh-TW" dirty="0"/>
+              <a:t>W: 0</a:t>
+            </a:r>
+          </a:p>
+          <a:p>
+            <a:pPr marL="342900" indent="-342900">
+              <a:buFont typeface="Arial"/>
+              <a:buChar char="•"/>
+            </a:pPr>
+            <a:r>
+              <a:rPr kumimoji="1" lang="en-US" altLang="zh-TW" dirty="0"/>
+              <a:t>Terminate condition: t = 100</a:t>
+            </a:r>
+            <a:endParaRPr kumimoji="1" lang="zh-TW" altLang="en-US" dirty="0"/>
+          </a:p>
+          <a:p>
+            <a:endParaRPr kumimoji="1" lang="zh-TW" altLang="en-US" dirty="0"/>
+          </a:p>
+        </p:txBody>
+      </p:sp>
+    </p:spTree>
+    <p:extLst>
+      <p:ext uri="{BB962C8B-B14F-4D97-AF65-F5344CB8AC3E}">
+        <p14:creationId xmlns:p14="http://schemas.microsoft.com/office/powerpoint/2010/main" val="524874238"/>
+      </p:ext>
+    </p:extLst>
+  </p:cSld>
+  <p:clrMapOvr>
+    <a:masterClrMapping/>
+  </p:clrMapOvr>
+  <p:timing>
+    <p:tnLst>
+      <p:par>
+        <p:cTn xmlns:p14="http://schemas.microsoft.com/office/powerpoint/2010/main" id="1" dur="indefinite" restart="never" nodeType="tmRoot"/>
+      </p:par>
+    </p:tnLst>
+  </p:timing>
+</p:sld>
+</file>
+
+<file path=ppt/slides/slide14.xml><?xml version="1.0" encoding="utf-8"?>
+<p:sld xmlns:a="http://schemas.openxmlformats.org/drawingml/2006/main" xmlns:r="http://schemas.openxmlformats.org/officeDocument/2006/relationships" xmlns:p="http://schemas.openxmlformats.org/presentationml/2006/main">
+  <p:cSld>
+    <p:spTree>
+      <p:nvGrpSpPr>
+        <p:cNvPr id="1" name=""/>
+        <p:cNvGrpSpPr/>
+        <p:nvPr/>
+      </p:nvGrpSpPr>
+      <p:grpSpPr>
+        <a:xfrm>
+          <a:off x="0" y="0"/>
+          <a:ext cx="0" cy="0"/>
+          <a:chOff x="0" y="0"/>
+          <a:chExt cx="0" cy="0"/>
+        </a:xfrm>
+      </p:grpSpPr>
+      <p:sp>
+        <p:nvSpPr>
+          <p:cNvPr id="2" name="標題 1"/>
+          <p:cNvSpPr>
+            <a:spLocks noGrp="1"/>
+          </p:cNvSpPr>
+          <p:nvPr>
+            <p:ph type="title"/>
+          </p:nvPr>
+        </p:nvSpPr>
+        <p:spPr/>
+        <p:txBody>
+          <a:bodyPr/>
+          <a:lstStyle/>
+          <a:p>
+            <a:r>
+              <a:rPr kumimoji="1" lang="en-US" altLang="zh-TW" dirty="0" err="1" smtClean="0"/>
+              <a:t>rastrigin</a:t>
+            </a:r>
+            <a:r>
+              <a:rPr kumimoji="1" lang="en-US" altLang="zh-TW" dirty="0" smtClean="0"/>
+              <a:t> </a:t>
+            </a:r>
+            <a:r>
+              <a:rPr kumimoji="1" lang="en-US" altLang="zh-TW" dirty="0"/>
+              <a:t>Function</a:t>
+            </a:r>
+            <a:br>
+              <a:rPr kumimoji="1" lang="en-US" altLang="zh-TW" dirty="0"/>
+            </a:br>
+            <a:r>
+              <a:rPr kumimoji="1" lang="en-US" altLang="zh-TW" dirty="0"/>
+              <a:t>- Process (</a:t>
+            </a:r>
+            <a:r>
+              <a:rPr kumimoji="1" lang="en-US" altLang="zh-TW" dirty="0" smtClean="0"/>
+              <a:t>1/7)</a:t>
+            </a:r>
+            <a:endParaRPr kumimoji="1" lang="zh-TW" altLang="en-US" dirty="0"/>
+          </a:p>
+        </p:txBody>
+      </p:sp>
+      <p:pic>
+        <p:nvPicPr>
+          <p:cNvPr id="5" name="內容版面配置區 4" descr="1.png"/>
+          <p:cNvPicPr>
+            <a:picLocks noGrp="1" noChangeAspect="1"/>
+          </p:cNvPicPr>
+          <p:nvPr>
+            <p:ph idx="1"/>
+          </p:nvPr>
+        </p:nvPicPr>
+        <p:blipFill>
+          <a:blip r:embed="rId2">
+            <a:extLst>
+              <a:ext uri="{28A0092B-C50C-407E-A947-70E740481C1C}">
+                <a14:useLocalDpi xmlns:a14="http://schemas.microsoft.com/office/drawing/2010/main" val="0"/>
+              </a:ext>
+            </a:extLst>
+          </a:blip>
+          <a:srcRect t="10632" b="10632"/>
+          <a:stretch>
+            <a:fillRect/>
+          </a:stretch>
+        </p:blipFill>
+        <p:spPr/>
+      </p:pic>
+    </p:spTree>
+    <p:extLst>
+      <p:ext uri="{BB962C8B-B14F-4D97-AF65-F5344CB8AC3E}">
+        <p14:creationId xmlns:p14="http://schemas.microsoft.com/office/powerpoint/2010/main" val="1704062774"/>
+      </p:ext>
+    </p:extLst>
+  </p:cSld>
+  <p:clrMapOvr>
+    <a:masterClrMapping/>
+  </p:clrMapOvr>
+  <p:timing>
+    <p:tnLst>
+      <p:par>
+        <p:cTn xmlns:p14="http://schemas.microsoft.com/office/powerpoint/2010/main" id="1" dur="indefinite" restart="never" nodeType="tmRoot"/>
+      </p:par>
+    </p:tnLst>
+  </p:timing>
+</p:sld>
+</file>
+
+<file path=ppt/slides/slide15.xml><?xml version="1.0" encoding="utf-8"?>
+<p:sld xmlns:a="http://schemas.openxmlformats.org/drawingml/2006/main" xmlns:r="http://schemas.openxmlformats.org/officeDocument/2006/relationships" xmlns:p="http://schemas.openxmlformats.org/presentationml/2006/main">
+  <p:cSld>
+    <p:spTree>
+      <p:nvGrpSpPr>
+        <p:cNvPr id="1" name=""/>
+        <p:cNvGrpSpPr/>
+        <p:nvPr/>
+      </p:nvGrpSpPr>
+      <p:grpSpPr>
+        <a:xfrm>
+          <a:off x="0" y="0"/>
+          <a:ext cx="0" cy="0"/>
+          <a:chOff x="0" y="0"/>
+          <a:chExt cx="0" cy="0"/>
+        </a:xfrm>
+      </p:grpSpPr>
+      <p:sp>
+        <p:nvSpPr>
+          <p:cNvPr id="2" name="標題 1"/>
+          <p:cNvSpPr>
+            <a:spLocks noGrp="1"/>
+          </p:cNvSpPr>
+          <p:nvPr>
+            <p:ph type="title"/>
+          </p:nvPr>
+        </p:nvSpPr>
+        <p:spPr/>
+        <p:txBody>
+          <a:bodyPr/>
+          <a:lstStyle/>
+          <a:p>
+            <a:r>
+              <a:rPr kumimoji="1" lang="en-US" altLang="zh-TW" dirty="0" err="1" smtClean="0"/>
+              <a:t>rastrigin</a:t>
+            </a:r>
+            <a:r>
+              <a:rPr kumimoji="1" lang="en-US" altLang="zh-TW" dirty="0" smtClean="0"/>
+              <a:t> </a:t>
+            </a:r>
+            <a:r>
+              <a:rPr kumimoji="1" lang="en-US" altLang="zh-TW" dirty="0"/>
+              <a:t>Function</a:t>
+            </a:r>
+            <a:br>
+              <a:rPr kumimoji="1" lang="en-US" altLang="zh-TW" dirty="0"/>
+            </a:br>
+            <a:r>
+              <a:rPr kumimoji="1" lang="en-US" altLang="zh-TW" dirty="0"/>
+              <a:t>- Process (</a:t>
+            </a:r>
+            <a:r>
+              <a:rPr kumimoji="1" lang="en-US" altLang="zh-TW" dirty="0" smtClean="0"/>
+              <a:t>2/7)</a:t>
+            </a:r>
+            <a:endParaRPr kumimoji="1" lang="zh-TW" altLang="en-US" dirty="0"/>
+          </a:p>
+        </p:txBody>
+      </p:sp>
+      <p:pic>
+        <p:nvPicPr>
+          <p:cNvPr id="9" name="內容版面配置區 8" descr="3.png"/>
+          <p:cNvPicPr>
+            <a:picLocks noGrp="1" noChangeAspect="1"/>
+          </p:cNvPicPr>
+          <p:nvPr>
+            <p:ph idx="1"/>
+          </p:nvPr>
+        </p:nvPicPr>
+        <p:blipFill>
+          <a:blip r:embed="rId2">
+            <a:extLst>
+              <a:ext uri="{28A0092B-C50C-407E-A947-70E740481C1C}">
+                <a14:useLocalDpi xmlns:a14="http://schemas.microsoft.com/office/drawing/2010/main" val="0"/>
+              </a:ext>
+            </a:extLst>
+          </a:blip>
+          <a:srcRect t="10632" b="10632"/>
+          <a:stretch>
+            <a:fillRect/>
+          </a:stretch>
+        </p:blipFill>
+        <p:spPr/>
+      </p:pic>
+    </p:spTree>
+    <p:extLst>
+      <p:ext uri="{BB962C8B-B14F-4D97-AF65-F5344CB8AC3E}">
+        <p14:creationId xmlns:p14="http://schemas.microsoft.com/office/powerpoint/2010/main" val="2179935175"/>
+      </p:ext>
+    </p:extLst>
+  </p:cSld>
+  <p:clrMapOvr>
+    <a:masterClrMapping/>
+  </p:clrMapOvr>
+  <p:timing>
+    <p:tnLst>
+      <p:par>
+        <p:cTn xmlns:p14="http://schemas.microsoft.com/office/powerpoint/2010/main" id="1" dur="indefinite" restart="never" nodeType="tmRoot"/>
+      </p:par>
+    </p:tnLst>
+  </p:timing>
+</p:sld>
+</file>
+
+<file path=ppt/slides/slide16.xml><?xml version="1.0" encoding="utf-8"?>
+<p:sld xmlns:a="http://schemas.openxmlformats.org/drawingml/2006/main" xmlns:r="http://schemas.openxmlformats.org/officeDocument/2006/relationships" xmlns:p="http://schemas.openxmlformats.org/presentationml/2006/main">
+  <p:cSld>
+    <p:spTree>
+      <p:nvGrpSpPr>
+        <p:cNvPr id="1" name=""/>
+        <p:cNvGrpSpPr/>
+        <p:nvPr/>
+      </p:nvGrpSpPr>
+      <p:grpSpPr>
+        <a:xfrm>
+          <a:off x="0" y="0"/>
+          <a:ext cx="0" cy="0"/>
+          <a:chOff x="0" y="0"/>
+          <a:chExt cx="0" cy="0"/>
+        </a:xfrm>
+      </p:grpSpPr>
+      <p:sp>
+        <p:nvSpPr>
+          <p:cNvPr id="2" name="標題 1"/>
+          <p:cNvSpPr>
+            <a:spLocks noGrp="1"/>
+          </p:cNvSpPr>
+          <p:nvPr>
+            <p:ph type="title"/>
+          </p:nvPr>
+        </p:nvSpPr>
+        <p:spPr/>
+        <p:txBody>
+          <a:bodyPr/>
+          <a:lstStyle/>
+          <a:p>
+            <a:r>
+              <a:rPr kumimoji="1" lang="en-US" altLang="zh-TW" dirty="0" err="1" smtClean="0"/>
+              <a:t>rastrigin</a:t>
+            </a:r>
+            <a:r>
+              <a:rPr kumimoji="1" lang="en-US" altLang="zh-TW" dirty="0" smtClean="0"/>
+              <a:t> </a:t>
+            </a:r>
+            <a:r>
+              <a:rPr kumimoji="1" lang="en-US" altLang="zh-TW" dirty="0"/>
+              <a:t>Function</a:t>
+            </a:r>
+            <a:br>
+              <a:rPr kumimoji="1" lang="en-US" altLang="zh-TW" dirty="0"/>
+            </a:br>
+            <a:r>
+              <a:rPr kumimoji="1" lang="en-US" altLang="zh-TW" dirty="0"/>
+              <a:t>- Process (</a:t>
+            </a:r>
+            <a:r>
+              <a:rPr kumimoji="1" lang="en-US" altLang="zh-TW" dirty="0" smtClean="0"/>
+              <a:t>3/7)</a:t>
+            </a:r>
+            <a:endParaRPr kumimoji="1" lang="zh-TW" altLang="en-US" dirty="0"/>
+          </a:p>
+        </p:txBody>
+      </p:sp>
+      <p:pic>
+        <p:nvPicPr>
+          <p:cNvPr id="5" name="內容版面配置區 4" descr="4.png"/>
+          <p:cNvPicPr>
+            <a:picLocks noGrp="1" noChangeAspect="1"/>
+          </p:cNvPicPr>
+          <p:nvPr>
+            <p:ph idx="1"/>
+          </p:nvPr>
+        </p:nvPicPr>
+        <p:blipFill>
+          <a:blip r:embed="rId2">
+            <a:extLst>
+              <a:ext uri="{28A0092B-C50C-407E-A947-70E740481C1C}">
+                <a14:useLocalDpi xmlns:a14="http://schemas.microsoft.com/office/drawing/2010/main" val="0"/>
+              </a:ext>
+            </a:extLst>
+          </a:blip>
+          <a:srcRect t="10632" b="10632"/>
+          <a:stretch>
+            <a:fillRect/>
+          </a:stretch>
+        </p:blipFill>
+        <p:spPr/>
+      </p:pic>
+    </p:spTree>
+    <p:extLst>
+      <p:ext uri="{BB962C8B-B14F-4D97-AF65-F5344CB8AC3E}">
+        <p14:creationId xmlns:p14="http://schemas.microsoft.com/office/powerpoint/2010/main" val="2179935175"/>
+      </p:ext>
+    </p:extLst>
+  </p:cSld>
+  <p:clrMapOvr>
+    <a:masterClrMapping/>
+  </p:clrMapOvr>
+  <p:timing>
+    <p:tnLst>
+      <p:par>
+        <p:cTn xmlns:p14="http://schemas.microsoft.com/office/powerpoint/2010/main" id="1" dur="indefinite" restart="never" nodeType="tmRoot"/>
+      </p:par>
+    </p:tnLst>
+  </p:timing>
+</p:sld>
+</file>
+
+<file path=ppt/slides/slide17.xml><?xml version="1.0" encoding="utf-8"?>
+<p:sld xmlns:a="http://schemas.openxmlformats.org/drawingml/2006/main" xmlns:r="http://schemas.openxmlformats.org/officeDocument/2006/relationships" xmlns:p="http://schemas.openxmlformats.org/presentationml/2006/main">
+  <p:cSld>
+    <p:spTree>
+      <p:nvGrpSpPr>
+        <p:cNvPr id="1" name=""/>
+        <p:cNvGrpSpPr/>
+        <p:nvPr/>
+      </p:nvGrpSpPr>
+      <p:grpSpPr>
+        <a:xfrm>
+          <a:off x="0" y="0"/>
+          <a:ext cx="0" cy="0"/>
+          <a:chOff x="0" y="0"/>
+          <a:chExt cx="0" cy="0"/>
+        </a:xfrm>
+      </p:grpSpPr>
+      <p:sp>
+        <p:nvSpPr>
+          <p:cNvPr id="2" name="標題 1"/>
+          <p:cNvSpPr>
+            <a:spLocks noGrp="1"/>
+          </p:cNvSpPr>
+          <p:nvPr>
+            <p:ph type="title"/>
+          </p:nvPr>
+        </p:nvSpPr>
+        <p:spPr/>
+        <p:txBody>
+          <a:bodyPr/>
+          <a:lstStyle/>
+          <a:p>
+            <a:r>
+              <a:rPr kumimoji="1" lang="en-US" altLang="zh-TW" dirty="0" err="1" smtClean="0"/>
+              <a:t>rastrigin</a:t>
+            </a:r>
+            <a:r>
+              <a:rPr kumimoji="1" lang="en-US" altLang="zh-TW" dirty="0" smtClean="0"/>
+              <a:t> </a:t>
+            </a:r>
+            <a:r>
+              <a:rPr kumimoji="1" lang="en-US" altLang="zh-TW" dirty="0"/>
+              <a:t>Function</a:t>
+            </a:r>
+            <a:br>
+              <a:rPr kumimoji="1" lang="en-US" altLang="zh-TW" dirty="0"/>
+            </a:br>
+            <a:r>
+              <a:rPr kumimoji="1" lang="en-US" altLang="zh-TW" dirty="0"/>
+              <a:t>- Process (</a:t>
+            </a:r>
+            <a:r>
+              <a:rPr kumimoji="1" lang="en-US" altLang="zh-TW" dirty="0" smtClean="0"/>
+              <a:t>4/7)</a:t>
+            </a:r>
+            <a:endParaRPr kumimoji="1" lang="zh-TW" altLang="en-US" dirty="0"/>
+          </a:p>
+        </p:txBody>
+      </p:sp>
+      <p:pic>
+        <p:nvPicPr>
+          <p:cNvPr id="5" name="內容版面配置區 4" descr="6.png"/>
+          <p:cNvPicPr>
+            <a:picLocks noGrp="1" noChangeAspect="1"/>
+          </p:cNvPicPr>
+          <p:nvPr>
+            <p:ph idx="1"/>
+          </p:nvPr>
+        </p:nvPicPr>
+        <p:blipFill>
+          <a:blip r:embed="rId2">
+            <a:extLst>
+              <a:ext uri="{28A0092B-C50C-407E-A947-70E740481C1C}">
+                <a14:useLocalDpi xmlns:a14="http://schemas.microsoft.com/office/drawing/2010/main" val="0"/>
+              </a:ext>
+            </a:extLst>
+          </a:blip>
+          <a:srcRect t="10632" b="10632"/>
+          <a:stretch>
+            <a:fillRect/>
+          </a:stretch>
+        </p:blipFill>
+        <p:spPr/>
+      </p:pic>
+    </p:spTree>
+    <p:extLst>
+      <p:ext uri="{BB962C8B-B14F-4D97-AF65-F5344CB8AC3E}">
+        <p14:creationId xmlns:p14="http://schemas.microsoft.com/office/powerpoint/2010/main" val="2179935175"/>
+      </p:ext>
+    </p:extLst>
+  </p:cSld>
+  <p:clrMapOvr>
+    <a:masterClrMapping/>
+  </p:clrMapOvr>
+  <p:timing>
+    <p:tnLst>
+      <p:par>
+        <p:cTn xmlns:p14="http://schemas.microsoft.com/office/powerpoint/2010/main" id="1" dur="indefinite" restart="never" nodeType="tmRoot"/>
+      </p:par>
+    </p:tnLst>
+  </p:timing>
+</p:sld>
+</file>
+
+<file path=ppt/slides/slide18.xml><?xml version="1.0" encoding="utf-8"?>
+<p:sld xmlns:a="http://schemas.openxmlformats.org/drawingml/2006/main" xmlns:r="http://schemas.openxmlformats.org/officeDocument/2006/relationships" xmlns:p="http://schemas.openxmlformats.org/presentationml/2006/main">
+  <p:cSld>
+    <p:spTree>
+      <p:nvGrpSpPr>
+        <p:cNvPr id="1" name=""/>
+        <p:cNvGrpSpPr/>
+        <p:nvPr/>
+      </p:nvGrpSpPr>
+      <p:grpSpPr>
+        <a:xfrm>
+          <a:off x="0" y="0"/>
+          <a:ext cx="0" cy="0"/>
+          <a:chOff x="0" y="0"/>
+          <a:chExt cx="0" cy="0"/>
+        </a:xfrm>
+      </p:grpSpPr>
+      <p:sp>
+        <p:nvSpPr>
+          <p:cNvPr id="2" name="標題 1"/>
+          <p:cNvSpPr>
+            <a:spLocks noGrp="1"/>
+          </p:cNvSpPr>
+          <p:nvPr>
+            <p:ph type="title"/>
+          </p:nvPr>
+        </p:nvSpPr>
+        <p:spPr/>
+        <p:txBody>
+          <a:bodyPr/>
+          <a:lstStyle/>
+          <a:p>
+            <a:r>
+              <a:rPr kumimoji="1" lang="en-US" altLang="zh-TW" dirty="0" err="1" smtClean="0"/>
+              <a:t>rastrigin</a:t>
+            </a:r>
+            <a:r>
+              <a:rPr kumimoji="1" lang="en-US" altLang="zh-TW" dirty="0" smtClean="0"/>
+              <a:t> </a:t>
+            </a:r>
+            <a:r>
+              <a:rPr kumimoji="1" lang="en-US" altLang="zh-TW" dirty="0"/>
+              <a:t>Function</a:t>
+            </a:r>
+            <a:br>
+              <a:rPr kumimoji="1" lang="en-US" altLang="zh-TW" dirty="0"/>
+            </a:br>
+            <a:r>
+              <a:rPr kumimoji="1" lang="en-US" altLang="zh-TW" dirty="0"/>
+              <a:t>- Process (</a:t>
+            </a:r>
+            <a:r>
+              <a:rPr kumimoji="1" lang="en-US" altLang="zh-TW" dirty="0" smtClean="0"/>
+              <a:t>5/7)</a:t>
+            </a:r>
+            <a:endParaRPr kumimoji="1" lang="zh-TW" altLang="en-US" dirty="0"/>
+          </a:p>
+        </p:txBody>
+      </p:sp>
+      <p:pic>
+        <p:nvPicPr>
+          <p:cNvPr id="5" name="內容版面配置區 4" descr="10.png"/>
+          <p:cNvPicPr>
+            <a:picLocks noGrp="1" noChangeAspect="1"/>
+          </p:cNvPicPr>
+          <p:nvPr>
+            <p:ph idx="1"/>
+          </p:nvPr>
+        </p:nvPicPr>
+        <p:blipFill>
+          <a:blip r:embed="rId2">
+            <a:extLst>
+              <a:ext uri="{28A0092B-C50C-407E-A947-70E740481C1C}">
+                <a14:useLocalDpi xmlns:a14="http://schemas.microsoft.com/office/drawing/2010/main" val="0"/>
+              </a:ext>
+            </a:extLst>
+          </a:blip>
+          <a:srcRect t="10632" b="10632"/>
+          <a:stretch>
+            <a:fillRect/>
+          </a:stretch>
+        </p:blipFill>
+        <p:spPr/>
+      </p:pic>
+    </p:spTree>
+    <p:extLst>
+      <p:ext uri="{BB962C8B-B14F-4D97-AF65-F5344CB8AC3E}">
+        <p14:creationId xmlns:p14="http://schemas.microsoft.com/office/powerpoint/2010/main" val="2179935175"/>
+      </p:ext>
+    </p:extLst>
+  </p:cSld>
+  <p:clrMapOvr>
+    <a:masterClrMapping/>
+  </p:clrMapOvr>
+  <p:timing>
+    <p:tnLst>
+      <p:par>
+        <p:cTn xmlns:p14="http://schemas.microsoft.com/office/powerpoint/2010/main" id="1" dur="indefinite" restart="never" nodeType="tmRoot"/>
+      </p:par>
+    </p:tnLst>
+  </p:timing>
+</p:sld>
+</file>
+
+<file path=ppt/slides/slide19.xml><?xml version="1.0" encoding="utf-8"?>
+<p:sld xmlns:a="http://schemas.openxmlformats.org/drawingml/2006/main" xmlns:r="http://schemas.openxmlformats.org/officeDocument/2006/relationships" xmlns:p="http://schemas.openxmlformats.org/presentationml/2006/main">
+  <p:cSld>
+    <p:spTree>
+      <p:nvGrpSpPr>
+        <p:cNvPr id="1" name=""/>
+        <p:cNvGrpSpPr/>
+        <p:nvPr/>
+      </p:nvGrpSpPr>
+      <p:grpSpPr>
+        <a:xfrm>
+          <a:off x="0" y="0"/>
+          <a:ext cx="0" cy="0"/>
+          <a:chOff x="0" y="0"/>
+          <a:chExt cx="0" cy="0"/>
+        </a:xfrm>
+      </p:grpSpPr>
+      <p:sp>
+        <p:nvSpPr>
+          <p:cNvPr id="2" name="標題 1"/>
+          <p:cNvSpPr>
+            <a:spLocks noGrp="1"/>
+          </p:cNvSpPr>
+          <p:nvPr>
+            <p:ph type="title"/>
+          </p:nvPr>
+        </p:nvSpPr>
+        <p:spPr/>
+        <p:txBody>
+          <a:bodyPr/>
+          <a:lstStyle/>
+          <a:p>
+            <a:r>
+              <a:rPr kumimoji="1" lang="en-US" altLang="zh-TW" dirty="0" err="1" smtClean="0"/>
+              <a:t>rastrigin</a:t>
+            </a:r>
+            <a:r>
+              <a:rPr kumimoji="1" lang="en-US" altLang="zh-TW" dirty="0" smtClean="0"/>
+              <a:t> </a:t>
+            </a:r>
+            <a:r>
+              <a:rPr kumimoji="1" lang="en-US" altLang="zh-TW" dirty="0"/>
+              <a:t>Function</a:t>
+            </a:r>
+            <a:br>
+              <a:rPr kumimoji="1" lang="en-US" altLang="zh-TW" dirty="0"/>
+            </a:br>
+            <a:r>
+              <a:rPr kumimoji="1" lang="en-US" altLang="zh-TW" dirty="0"/>
+              <a:t>- Process (</a:t>
+            </a:r>
+            <a:r>
+              <a:rPr kumimoji="1" lang="en-US" altLang="zh-TW" dirty="0" smtClean="0"/>
+              <a:t>6/7)</a:t>
+            </a:r>
+            <a:endParaRPr kumimoji="1" lang="zh-TW" altLang="en-US" dirty="0"/>
+          </a:p>
+        </p:txBody>
+      </p:sp>
+      <p:pic>
+        <p:nvPicPr>
+          <p:cNvPr id="5" name="內容版面配置區 4" descr="50.png"/>
+          <p:cNvPicPr>
+            <a:picLocks noGrp="1" noChangeAspect="1"/>
+          </p:cNvPicPr>
+          <p:nvPr>
+            <p:ph idx="1"/>
+          </p:nvPr>
+        </p:nvPicPr>
+        <p:blipFill>
+          <a:blip r:embed="rId2">
+            <a:extLst>
+              <a:ext uri="{28A0092B-C50C-407E-A947-70E740481C1C}">
+                <a14:useLocalDpi xmlns:a14="http://schemas.microsoft.com/office/drawing/2010/main" val="0"/>
+              </a:ext>
+            </a:extLst>
+          </a:blip>
+          <a:srcRect t="10632" b="10632"/>
+          <a:stretch>
+            <a:fillRect/>
+          </a:stretch>
+        </p:blipFill>
+        <p:spPr/>
+      </p:pic>
+    </p:spTree>
+    <p:extLst>
+      <p:ext uri="{BB962C8B-B14F-4D97-AF65-F5344CB8AC3E}">
+        <p14:creationId xmlns:p14="http://schemas.microsoft.com/office/powerpoint/2010/main" val="2179935175"/>
       </p:ext>
     </p:extLst>
   </p:cSld>
@@ -4842,6 +5036,36 @@
           <a:chExt cx="0" cy="0"/>
         </a:xfrm>
       </p:grpSpPr>
+      <p:pic>
+        <p:nvPicPr>
+          <p:cNvPr id="4" name="圖片 3" descr="sphere_fn.jpeg"/>
+          <p:cNvPicPr>
+            <a:picLocks noChangeAspect="1"/>
+          </p:cNvPicPr>
+          <p:nvPr/>
+        </p:nvPicPr>
+        <p:blipFill>
+          <a:blip r:embed="rId2">
+            <a:extLst>
+              <a:ext uri="{28A0092B-C50C-407E-A947-70E740481C1C}">
+                <a14:useLocalDpi xmlns:a14="http://schemas.microsoft.com/office/drawing/2010/main" val="0"/>
+              </a:ext>
+            </a:extLst>
+          </a:blip>
+          <a:stretch>
+            <a:fillRect/>
+          </a:stretch>
+        </p:blipFill>
+        <p:spPr>
+          <a:xfrm>
+            <a:off x="964081" y="1752600"/>
+            <a:ext cx="6631653" cy="4373563"/>
+          </a:xfrm>
+          <a:prstGeom prst="rect">
+            <a:avLst/>
+          </a:prstGeom>
+        </p:spPr>
+      </p:pic>
       <p:sp>
         <p:nvSpPr>
           <p:cNvPr id="2" name="標題 1"/>
@@ -4854,19 +5078,16 @@
         </p:nvSpPr>
         <p:spPr/>
         <p:txBody>
-          <a:bodyPr/>
+          <a:bodyPr anchor="ctr"/>
           <a:lstStyle/>
           <a:p>
             <a:r>
               <a:rPr kumimoji="1" lang="en-US" altLang="zh-TW" dirty="0" smtClean="0"/>
-              <a:t>Sphere Function</a:t>
-            </a:r>
-            <a:br>
+              <a:t>Sphere </a:t>
+            </a:r>
+            <a:r>
               <a:rPr kumimoji="1" lang="en-US" altLang="zh-TW" dirty="0" smtClean="0"/>
-            </a:br>
-            <a:r>
-              <a:rPr kumimoji="1" lang="en-US" altLang="zh-TW" dirty="0" smtClean="0"/>
-              <a:t>- parameters</a:t>
+              <a:t>Function</a:t>
             </a:r>
             <a:endParaRPr kumimoji="1" lang="zh-TW" altLang="en-US" dirty="0"/>
           </a:p>
@@ -4884,163 +5105,83 @@
         </p:nvSpPr>
         <p:spPr/>
         <p:txBody>
-          <a:bodyPr/>
-          <a:lstStyle/>
-          <a:p>
-            <a:pPr marL="342900" indent="-342900">
-              <a:buFont typeface="Arial"/>
-              <a:buChar char="•"/>
-            </a:pPr>
-            <a:r>
-              <a:rPr kumimoji="1" lang="en-US" altLang="zh-TW" dirty="0" smtClean="0"/>
-              <a:t>Particle number: 100</a:t>
-            </a:r>
-          </a:p>
-          <a:p>
-            <a:pPr marL="342900" indent="-342900">
-              <a:buFont typeface="Arial"/>
-              <a:buChar char="•"/>
-            </a:pPr>
-            <a:r>
-              <a:rPr kumimoji="1" lang="en-US" altLang="zh-TW" dirty="0" smtClean="0"/>
-              <a:t>Search domain: -100 &lt; X</a:t>
-            </a:r>
-            <a:r>
-              <a:rPr kumimoji="1" lang="en-US" altLang="zh-TW" baseline="-25000" dirty="0" smtClean="0"/>
-              <a:t>i</a:t>
-            </a:r>
-            <a:r>
-              <a:rPr kumimoji="1" lang="en-US" altLang="zh-TW" dirty="0" smtClean="0"/>
-              <a:t> &lt; 100</a:t>
-            </a:r>
-          </a:p>
-          <a:p>
-            <a:pPr marL="342900" indent="-342900">
-              <a:buFont typeface="Arial"/>
-              <a:buChar char="•"/>
-            </a:pPr>
-            <a:r>
-              <a:rPr kumimoji="1" lang="en-US" altLang="zh-TW" dirty="0" smtClean="0"/>
-              <a:t>C</a:t>
-            </a:r>
-            <a:r>
-              <a:rPr kumimoji="1" lang="en-US" altLang="zh-TW" baseline="-25000" dirty="0" smtClean="0"/>
-              <a:t>1</a:t>
-            </a:r>
-            <a:r>
-              <a:rPr kumimoji="1" lang="en-US" altLang="zh-TW" dirty="0" smtClean="0"/>
-              <a:t>: 2</a:t>
-            </a:r>
-          </a:p>
-          <a:p>
-            <a:pPr marL="342900" indent="-342900">
-              <a:buFont typeface="Arial"/>
-              <a:buChar char="•"/>
-            </a:pPr>
-            <a:r>
-              <a:rPr kumimoji="1" lang="en-US" altLang="zh-TW" dirty="0" smtClean="0"/>
-              <a:t>C</a:t>
-            </a:r>
-            <a:r>
-              <a:rPr kumimoji="1" lang="en-US" altLang="zh-TW" baseline="-25000" dirty="0" smtClean="0"/>
+          <a:bodyPr anchor="b">
+            <a:normAutofit fontScale="85000" lnSpcReduction="20000"/>
+          </a:bodyPr>
+          <a:lstStyle/>
+          <a:p>
+            <a:pPr algn="ctr"/>
+            <a:endParaRPr kumimoji="1" lang="en-US" altLang="zh-TW" sz="4000" dirty="0" smtClean="0"/>
+          </a:p>
+          <a:p>
+            <a:pPr algn="ctr"/>
+            <a:endParaRPr kumimoji="1" lang="en-US" altLang="zh-TW" sz="4000" dirty="0"/>
+          </a:p>
+          <a:p>
+            <a:pPr algn="ctr"/>
+            <a:endParaRPr kumimoji="1" lang="en-US" altLang="zh-TW" sz="4000" dirty="0" smtClean="0"/>
+          </a:p>
+          <a:p>
+            <a:pPr algn="ctr"/>
+            <a:endParaRPr kumimoji="1" lang="en-US" altLang="zh-TW" sz="4000" dirty="0"/>
+          </a:p>
+          <a:p>
+            <a:pPr algn="ctr"/>
+            <a:endParaRPr kumimoji="1" lang="en-US" altLang="zh-TW" sz="4000" dirty="0" smtClean="0"/>
+          </a:p>
+          <a:p>
+            <a:pPr algn="ctr"/>
+            <a:r>
+              <a:rPr kumimoji="1" lang="en-US" altLang="zh-TW" sz="4000" dirty="0" smtClean="0"/>
+              <a:t>The </a:t>
+            </a:r>
+            <a:r>
+              <a:rPr kumimoji="1" lang="en-US" altLang="zh-TW" sz="4000" dirty="0"/>
+              <a:t>global </a:t>
+            </a:r>
+            <a:r>
+              <a:rPr kumimoji="1" lang="en-US" altLang="zh-TW" sz="4000" dirty="0" smtClean="0"/>
+              <a:t>minima</a:t>
+            </a:r>
+          </a:p>
+          <a:p>
+            <a:pPr algn="ctr"/>
+            <a:r>
+              <a:rPr kumimoji="1" lang="en-US" altLang="zh-TW" sz="4000" dirty="0" smtClean="0"/>
+              <a:t> X</a:t>
+            </a:r>
+            <a:r>
+              <a:rPr kumimoji="1" lang="en-US" altLang="zh-TW" sz="4000" baseline="30000" dirty="0" smtClean="0"/>
               <a:t>2</a:t>
             </a:r>
             <a:r>
-              <a:rPr kumimoji="1" lang="en-US" altLang="zh-TW" dirty="0" smtClean="0"/>
-              <a:t>: 2</a:t>
-            </a:r>
-          </a:p>
-          <a:p>
-            <a:pPr marL="342900" indent="-342900">
-              <a:buFont typeface="Arial"/>
-              <a:buChar char="•"/>
-            </a:pPr>
-            <a:r>
-              <a:rPr kumimoji="1" lang="en-US" altLang="zh-TW" dirty="0" smtClean="0"/>
-              <a:t>Rand</a:t>
-            </a:r>
-            <a:r>
-              <a:rPr kumimoji="1" lang="en-US" altLang="zh-TW" baseline="-25000" dirty="0" smtClean="0"/>
-              <a:t>1</a:t>
-            </a:r>
-            <a:r>
-              <a:rPr kumimoji="1" lang="en-US" altLang="zh-TW" dirty="0" smtClean="0"/>
-              <a:t>: </a:t>
-            </a:r>
-            <a:r>
-              <a:rPr kumimoji="1" lang="en-US" altLang="zh-TW" dirty="0"/>
-              <a:t>0.26159124447458926</a:t>
-            </a:r>
-            <a:endParaRPr kumimoji="1" lang="en-US" altLang="zh-TW" dirty="0" smtClean="0"/>
-          </a:p>
-          <a:p>
-            <a:pPr marL="342900" indent="-342900">
-              <a:buFont typeface="Arial"/>
-              <a:buChar char="•"/>
-            </a:pPr>
-            <a:r>
-              <a:rPr kumimoji="1" lang="en-US" altLang="zh-TW" dirty="0" smtClean="0"/>
-              <a:t>Rand</a:t>
-            </a:r>
-            <a:r>
-              <a:rPr kumimoji="1" lang="en-US" altLang="zh-TW" baseline="-25000" dirty="0" smtClean="0"/>
+              <a:rPr kumimoji="1" lang="en-US" altLang="zh-TW" sz="4000" dirty="0" smtClean="0"/>
+              <a:t> </a:t>
+            </a:r>
+            <a:r>
+              <a:rPr kumimoji="1" lang="en-US" altLang="zh-TW" sz="4000" dirty="0" smtClean="0"/>
+              <a:t>= (0, 0) , f(x</a:t>
+            </a:r>
+            <a:r>
+              <a:rPr kumimoji="1" lang="en-US" altLang="zh-TW" sz="4000" baseline="30000" dirty="0" smtClean="0"/>
               <a:t>2</a:t>
             </a:r>
             <a:r>
-              <a:rPr kumimoji="1" lang="en-US" altLang="zh-TW" dirty="0" smtClean="0"/>
-              <a:t>: </a:t>
-            </a:r>
-            <a:r>
-              <a:rPr kumimoji="1" lang="en-US" altLang="zh-TW" dirty="0"/>
-              <a:t>0.056226893824293245</a:t>
-            </a:r>
-            <a:endParaRPr kumimoji="1" lang="en-US" altLang="zh-TW" dirty="0" smtClean="0"/>
-          </a:p>
-          <a:p>
-            <a:pPr marL="342900" indent="-342900">
-              <a:buFont typeface="Arial"/>
-              <a:buChar char="•"/>
-            </a:pPr>
-            <a:r>
-              <a:rPr kumimoji="1" lang="en-US" altLang="zh-TW" dirty="0" smtClean="0"/>
-              <a:t>V</a:t>
-            </a:r>
-            <a:r>
-              <a:rPr kumimoji="1" lang="en-US" altLang="zh-TW" baseline="-25000" dirty="0" smtClean="0"/>
+              <a:rPr kumimoji="1" lang="en-US" altLang="zh-TW" sz="4000" dirty="0" smtClean="0"/>
+              <a:t>) = </a:t>
+            </a:r>
+            <a:r>
+              <a:rPr kumimoji="1" lang="en-US" altLang="zh-TW" sz="4000" dirty="0" smtClean="0"/>
               <a:t>0</a:t>
             </a:r>
-            <a:r>
-              <a:rPr kumimoji="1" lang="en-US" altLang="zh-TW" dirty="0" smtClean="0"/>
-              <a:t>: [0, 0]</a:t>
-            </a:r>
-          </a:p>
-          <a:p>
-            <a:pPr marL="342900" indent="-342900">
-              <a:buFont typeface="Arial"/>
-              <a:buChar char="•"/>
-            </a:pPr>
-            <a:r>
-              <a:rPr kumimoji="1" lang="en-US" altLang="zh-TW" dirty="0" smtClean="0"/>
-              <a:t>W: 0</a:t>
-            </a:r>
-          </a:p>
-          <a:p>
-            <a:pPr marL="342900" indent="-342900">
-              <a:buFont typeface="Arial"/>
-              <a:buChar char="•"/>
-            </a:pPr>
-            <a:r>
-              <a:rPr kumimoji="1" lang="en-US" altLang="zh-TW" dirty="0" smtClean="0"/>
-              <a:t>Terminate condition: t = 100</a:t>
-            </a:r>
-            <a:endParaRPr kumimoji="1" lang="zh-TW" altLang="en-US" dirty="0"/>
+            <a:endParaRPr kumimoji="1" lang="zh-TW" altLang="en-US" sz="4000" dirty="0"/>
           </a:p>
         </p:txBody>
       </p:sp>
     </p:spTree>
     <p:extLst>
       <p:ext uri="{BB962C8B-B14F-4D97-AF65-F5344CB8AC3E}">
-        <p14:creationId xmlns:p14="http://schemas.microsoft.com/office/powerpoint/2010/main" val="1544863151"/>
+        <p14:creationId xmlns:p14="http://schemas.microsoft.com/office/powerpoint/2010/main" val="2383270942"/>
       </p:ext>
     </p:extLst>
   </p:cSld>
@@ -5058,6 +5199,422 @@
 </file>
 
 <file path=ppt/slides/slide20.xml><?xml version="1.0" encoding="utf-8"?>
+<p:sld xmlns:a="http://schemas.openxmlformats.org/drawingml/2006/main" xmlns:r="http://schemas.openxmlformats.org/officeDocument/2006/relationships" xmlns:p="http://schemas.openxmlformats.org/presentationml/2006/main">
+  <p:cSld>
+    <p:spTree>
+      <p:nvGrpSpPr>
+        <p:cNvPr id="1" name=""/>
+        <p:cNvGrpSpPr/>
+        <p:nvPr/>
+      </p:nvGrpSpPr>
+      <p:grpSpPr>
+        <a:xfrm>
+          <a:off x="0" y="0"/>
+          <a:ext cx="0" cy="0"/>
+          <a:chOff x="0" y="0"/>
+          <a:chExt cx="0" cy="0"/>
+        </a:xfrm>
+      </p:grpSpPr>
+      <p:sp>
+        <p:nvSpPr>
+          <p:cNvPr id="2" name="標題 1"/>
+          <p:cNvSpPr>
+            <a:spLocks noGrp="1"/>
+          </p:cNvSpPr>
+          <p:nvPr>
+            <p:ph type="title"/>
+          </p:nvPr>
+        </p:nvSpPr>
+        <p:spPr/>
+        <p:txBody>
+          <a:bodyPr/>
+          <a:lstStyle/>
+          <a:p>
+            <a:r>
+              <a:rPr kumimoji="1" lang="en-US" altLang="zh-TW" dirty="0" err="1" smtClean="0"/>
+              <a:t>rastrigin</a:t>
+            </a:r>
+            <a:r>
+              <a:rPr kumimoji="1" lang="en-US" altLang="zh-TW" dirty="0" smtClean="0"/>
+              <a:t> </a:t>
+            </a:r>
+            <a:r>
+              <a:rPr kumimoji="1" lang="en-US" altLang="zh-TW" dirty="0"/>
+              <a:t>Function</a:t>
+            </a:r>
+            <a:br>
+              <a:rPr kumimoji="1" lang="en-US" altLang="zh-TW" dirty="0"/>
+            </a:br>
+            <a:r>
+              <a:rPr kumimoji="1" lang="en-US" altLang="zh-TW" dirty="0"/>
+              <a:t>- Process (</a:t>
+            </a:r>
+            <a:r>
+              <a:rPr kumimoji="1" lang="en-US" altLang="zh-TW" dirty="0" smtClean="0"/>
+              <a:t>7/7)</a:t>
+            </a:r>
+            <a:endParaRPr kumimoji="1" lang="zh-TW" altLang="en-US" dirty="0"/>
+          </a:p>
+        </p:txBody>
+      </p:sp>
+      <p:pic>
+        <p:nvPicPr>
+          <p:cNvPr id="6" name="內容版面配置區 5" descr="100.png"/>
+          <p:cNvPicPr>
+            <a:picLocks noGrp="1" noChangeAspect="1"/>
+          </p:cNvPicPr>
+          <p:nvPr>
+            <p:ph idx="1"/>
+          </p:nvPr>
+        </p:nvPicPr>
+        <p:blipFill>
+          <a:blip r:embed="rId2">
+            <a:extLst>
+              <a:ext uri="{28A0092B-C50C-407E-A947-70E740481C1C}">
+                <a14:useLocalDpi xmlns:a14="http://schemas.microsoft.com/office/drawing/2010/main" val="0"/>
+              </a:ext>
+            </a:extLst>
+          </a:blip>
+          <a:srcRect t="10632" b="10632"/>
+          <a:stretch>
+            <a:fillRect/>
+          </a:stretch>
+        </p:blipFill>
+        <p:spPr/>
+      </p:pic>
+    </p:spTree>
+    <p:extLst>
+      <p:ext uri="{BB962C8B-B14F-4D97-AF65-F5344CB8AC3E}">
+        <p14:creationId xmlns:p14="http://schemas.microsoft.com/office/powerpoint/2010/main" val="2179935175"/>
+      </p:ext>
+    </p:extLst>
+  </p:cSld>
+  <p:clrMapOvr>
+    <a:masterClrMapping/>
+  </p:clrMapOvr>
+  <p:timing>
+    <p:tnLst>
+      <p:par>
+        <p:cTn xmlns:p14="http://schemas.microsoft.com/office/powerpoint/2010/main" id="1" dur="indefinite" restart="never" nodeType="tmRoot"/>
+      </p:par>
+    </p:tnLst>
+  </p:timing>
+</p:sld>
+</file>
+
+<file path=ppt/slides/slide21.xml><?xml version="1.0" encoding="utf-8"?>
+<p:sld xmlns:a="http://schemas.openxmlformats.org/drawingml/2006/main" xmlns:r="http://schemas.openxmlformats.org/officeDocument/2006/relationships" xmlns:p="http://schemas.openxmlformats.org/presentationml/2006/main">
+  <p:cSld>
+    <p:spTree>
+      <p:nvGrpSpPr>
+        <p:cNvPr id="1" name=""/>
+        <p:cNvGrpSpPr/>
+        <p:nvPr/>
+      </p:nvGrpSpPr>
+      <p:grpSpPr>
+        <a:xfrm>
+          <a:off x="0" y="0"/>
+          <a:ext cx="0" cy="0"/>
+          <a:chOff x="0" y="0"/>
+          <a:chExt cx="0" cy="0"/>
+        </a:xfrm>
+      </p:grpSpPr>
+      <p:graphicFrame>
+        <p:nvGraphicFramePr>
+          <p:cNvPr id="4" name="內容版面配置區 3"/>
+          <p:cNvGraphicFramePr>
+            <a:graphicFrameLocks noGrp="1" noChangeAspect="1"/>
+          </p:cNvGraphicFramePr>
+          <p:nvPr>
+            <p:ph idx="1"/>
+            <p:extLst>
+              <p:ext uri="{D42A27DB-BD31-4B8C-83A1-F6EECF244321}">
+                <p14:modId xmlns:p14="http://schemas.microsoft.com/office/powerpoint/2010/main" val="998598458"/>
+              </p:ext>
+            </p:extLst>
+          </p:nvPr>
+        </p:nvGraphicFramePr>
+        <p:xfrm>
+          <a:off x="671207" y="4241573"/>
+          <a:ext cx="7620000" cy="2041525"/>
+        </p:xfrm>
+        <a:graphic>
+          <a:graphicData uri="http://schemas.openxmlformats.org/presentationml/2006/ole">
+            <mc:AlternateContent xmlns:mc="http://schemas.openxmlformats.org/markup-compatibility/2006">
+              <mc:Choice xmlns:v="urn:schemas-microsoft-com:vml" Requires="v">
+                <p:oleObj spid="_x0000_s2084" name="工作表" r:id="rId3" imgW="6019800" imgH="1612900" progId="Excel.Sheet.12">
+                  <p:embed/>
+                </p:oleObj>
+              </mc:Choice>
+              <mc:Fallback>
+                <p:oleObj name="工作表" r:id="rId3" imgW="6019800" imgH="1612900" progId="Excel.Sheet.12">
+                  <p:embed/>
+                  <p:pic>
+                    <p:nvPicPr>
+                      <p:cNvPr id="0" name=""/>
+                      <p:cNvPicPr/>
+                      <p:nvPr/>
+                    </p:nvPicPr>
+                    <p:blipFill>
+                      <a:blip r:embed="rId4"/>
+                      <a:stretch>
+                        <a:fillRect/>
+                      </a:stretch>
+                    </p:blipFill>
+                    <p:spPr>
+                      <a:xfrm>
+                        <a:off x="671207" y="4241573"/>
+                        <a:ext cx="7620000" cy="2041525"/>
+                      </a:xfrm>
+                      <a:prstGeom prst="rect">
+                        <a:avLst/>
+                      </a:prstGeom>
+                    </p:spPr>
+                  </p:pic>
+                </p:oleObj>
+              </mc:Fallback>
+            </mc:AlternateContent>
+          </a:graphicData>
+        </a:graphic>
+      </p:graphicFrame>
+      <p:sp>
+        <p:nvSpPr>
+          <p:cNvPr id="2" name="標題 1"/>
+          <p:cNvSpPr>
+            <a:spLocks noGrp="1"/>
+          </p:cNvSpPr>
+          <p:nvPr>
+            <p:ph type="title"/>
+          </p:nvPr>
+        </p:nvSpPr>
+        <p:spPr/>
+        <p:txBody>
+          <a:bodyPr/>
+          <a:lstStyle/>
+          <a:p>
+            <a:r>
+              <a:rPr kumimoji="1" lang="en-US" altLang="zh-TW" dirty="0" err="1"/>
+              <a:t>rastrigin</a:t>
+            </a:r>
+            <a:r>
+              <a:rPr kumimoji="1" lang="en-US" altLang="zh-TW" dirty="0"/>
+              <a:t> Function</a:t>
+            </a:r>
+            <a:r>
+              <a:rPr kumimoji="1" lang="en-US" altLang="zh-TW" dirty="0" smtClean="0"/>
+              <a:t/>
+            </a:r>
+            <a:br>
+              <a:rPr kumimoji="1" lang="en-US" altLang="zh-TW" dirty="0" smtClean="0"/>
+            </a:br>
+            <a:r>
+              <a:rPr kumimoji="1" lang="en-US" altLang="zh-TW" dirty="0" smtClean="0"/>
+              <a:t>- </a:t>
+            </a:r>
+            <a:r>
+              <a:rPr kumimoji="1" lang="en-US" altLang="zh-TW" dirty="0" smtClean="0"/>
+              <a:t>statistics</a:t>
+            </a:r>
+            <a:endParaRPr kumimoji="1" lang="zh-TW" altLang="en-US" dirty="0"/>
+          </a:p>
+        </p:txBody>
+      </p:sp>
+      <p:pic>
+        <p:nvPicPr>
+          <p:cNvPr id="5" name="圖片 4" descr="sh4.png"/>
+          <p:cNvPicPr>
+            <a:picLocks noChangeAspect="1"/>
+          </p:cNvPicPr>
+          <p:nvPr/>
+        </p:nvPicPr>
+        <p:blipFill rotWithShape="1">
+          <a:blip r:embed="rId5">
+            <a:extLst>
+              <a:ext uri="{28A0092B-C50C-407E-A947-70E740481C1C}">
+                <a14:useLocalDpi xmlns:a14="http://schemas.microsoft.com/office/drawing/2010/main" val="0"/>
+              </a:ext>
+            </a:extLst>
+          </a:blip>
+          <a:srcRect t="47278" r="13629"/>
+          <a:stretch/>
+        </p:blipFill>
+        <p:spPr>
+          <a:xfrm>
+            <a:off x="457200" y="1524318"/>
+            <a:ext cx="3652709" cy="2250153"/>
+          </a:xfrm>
+          <a:prstGeom prst="rect">
+            <a:avLst/>
+          </a:prstGeom>
+        </p:spPr>
+      </p:pic>
+      <p:pic>
+        <p:nvPicPr>
+          <p:cNvPr id="6" name="圖片 5" descr="sh5.png"/>
+          <p:cNvPicPr>
+            <a:picLocks noChangeAspect="1"/>
+          </p:cNvPicPr>
+          <p:nvPr/>
+        </p:nvPicPr>
+        <p:blipFill rotWithShape="1">
+          <a:blip r:embed="rId6">
+            <a:extLst>
+              <a:ext uri="{28A0092B-C50C-407E-A947-70E740481C1C}">
+                <a14:useLocalDpi xmlns:a14="http://schemas.microsoft.com/office/drawing/2010/main" val="0"/>
+              </a:ext>
+            </a:extLst>
+          </a:blip>
+          <a:srcRect t="46726" r="12645"/>
+          <a:stretch/>
+        </p:blipFill>
+        <p:spPr>
+          <a:xfrm>
+            <a:off x="4302351" y="1481738"/>
+            <a:ext cx="3638845" cy="2292733"/>
+          </a:xfrm>
+          <a:prstGeom prst="rect">
+            <a:avLst/>
+          </a:prstGeom>
+        </p:spPr>
+      </p:pic>
+      <p:pic>
+        <p:nvPicPr>
+          <p:cNvPr id="7" name="圖片 6" descr="sh6.png"/>
+          <p:cNvPicPr>
+            <a:picLocks noChangeAspect="1"/>
+          </p:cNvPicPr>
+          <p:nvPr/>
+        </p:nvPicPr>
+        <p:blipFill rotWithShape="1">
+          <a:blip r:embed="rId7">
+            <a:extLst>
+              <a:ext uri="{28A0092B-C50C-407E-A947-70E740481C1C}">
+                <a14:useLocalDpi xmlns:a14="http://schemas.microsoft.com/office/drawing/2010/main" val="0"/>
+              </a:ext>
+            </a:extLst>
+          </a:blip>
+          <a:srcRect t="47265" r="10504"/>
+          <a:stretch/>
+        </p:blipFill>
+        <p:spPr>
+          <a:xfrm>
+            <a:off x="457199" y="4078576"/>
+            <a:ext cx="3652709" cy="2329742"/>
+          </a:xfrm>
+          <a:prstGeom prst="rect">
+            <a:avLst/>
+          </a:prstGeom>
+        </p:spPr>
+      </p:pic>
+      <p:sp>
+        <p:nvSpPr>
+          <p:cNvPr id="9" name="文字方塊 8"/>
+          <p:cNvSpPr txBox="1"/>
+          <p:nvPr/>
+        </p:nvSpPr>
+        <p:spPr>
+          <a:xfrm>
+            <a:off x="1828464" y="3727133"/>
+            <a:ext cx="742924" cy="369332"/>
+          </a:xfrm>
+          <a:prstGeom prst="rect">
+            <a:avLst/>
+          </a:prstGeom>
+          <a:noFill/>
+        </p:spPr>
+        <p:txBody>
+          <a:bodyPr wrap="none" rtlCol="0">
+            <a:spAutoFit/>
+          </a:bodyPr>
+          <a:lstStyle/>
+          <a:p>
+            <a:r>
+              <a:rPr kumimoji="1" lang="en-US" altLang="zh-TW" dirty="0" smtClean="0"/>
+              <a:t>N=20</a:t>
+            </a:r>
+            <a:endParaRPr kumimoji="1" lang="zh-TW" altLang="en-US" dirty="0"/>
+          </a:p>
+        </p:txBody>
+      </p:sp>
+      <p:sp>
+        <p:nvSpPr>
+          <p:cNvPr id="12" name="文字方塊 11"/>
+          <p:cNvSpPr txBox="1"/>
+          <p:nvPr/>
+        </p:nvSpPr>
+        <p:spPr>
+          <a:xfrm>
+            <a:off x="5715968" y="3774471"/>
+            <a:ext cx="742924" cy="369332"/>
+          </a:xfrm>
+          <a:prstGeom prst="rect">
+            <a:avLst/>
+          </a:prstGeom>
+          <a:noFill/>
+        </p:spPr>
+        <p:txBody>
+          <a:bodyPr wrap="none" rtlCol="0">
+            <a:spAutoFit/>
+          </a:bodyPr>
+          <a:lstStyle/>
+          <a:p>
+            <a:r>
+              <a:rPr kumimoji="1" lang="en-US" altLang="zh-TW" dirty="0" smtClean="0"/>
+              <a:t>N=50</a:t>
+            </a:r>
+          </a:p>
+        </p:txBody>
+      </p:sp>
+      <p:sp>
+        <p:nvSpPr>
+          <p:cNvPr id="13" name="文字方塊 12"/>
+          <p:cNvSpPr txBox="1"/>
+          <p:nvPr/>
+        </p:nvSpPr>
+        <p:spPr>
+          <a:xfrm>
+            <a:off x="1700086" y="6394668"/>
+            <a:ext cx="871302" cy="369332"/>
+          </a:xfrm>
+          <a:prstGeom prst="rect">
+            <a:avLst/>
+          </a:prstGeom>
+          <a:noFill/>
+        </p:spPr>
+        <p:txBody>
+          <a:bodyPr wrap="none" rtlCol="0">
+            <a:spAutoFit/>
+          </a:bodyPr>
+          <a:lstStyle/>
+          <a:p>
+            <a:r>
+              <a:rPr kumimoji="1" lang="en-US" altLang="zh-TW" dirty="0" smtClean="0"/>
+              <a:t>N=100</a:t>
+            </a:r>
+          </a:p>
+        </p:txBody>
+      </p:sp>
+    </p:spTree>
+    <p:extLst>
+      <p:ext uri="{BB962C8B-B14F-4D97-AF65-F5344CB8AC3E}">
+        <p14:creationId xmlns:p14="http://schemas.microsoft.com/office/powerpoint/2010/main" val="628651989"/>
+      </p:ext>
+    </p:extLst>
+  </p:cSld>
+  <p:clrMapOvr>
+    <a:masterClrMapping/>
+  </p:clrMapOvr>
+  <p:timing>
+    <p:tnLst>
+      <p:par>
+        <p:cTn xmlns:p14="http://schemas.microsoft.com/office/powerpoint/2010/main" id="1" dur="indefinite" restart="never" nodeType="tmRoot"/>
+      </p:par>
+    </p:tnLst>
+  </p:timing>
+</p:sld>
+</file>
+
+<file path=ppt/slides/slide22.xml><?xml version="1.0" encoding="utf-8"?>
 <p:sld xmlns:a="http://schemas.openxmlformats.org/drawingml/2006/main" xmlns:r="http://schemas.openxmlformats.org/officeDocument/2006/relationships" xmlns:p="http://schemas.openxmlformats.org/presentationml/2006/main">
   <p:cSld>
     <p:spTree>
@@ -5185,53 +5742,189 @@
           <a:lstStyle/>
           <a:p>
             <a:r>
+              <a:rPr kumimoji="1" lang="en-US" altLang="zh-TW" dirty="0" smtClean="0"/>
+              <a:t>Sphere Function</a:t>
+            </a:r>
+            <a:br>
+              <a:rPr kumimoji="1" lang="en-US" altLang="zh-TW" dirty="0" smtClean="0"/>
+            </a:br>
+            <a:r>
+              <a:rPr kumimoji="1" lang="en-US" altLang="zh-TW" dirty="0" smtClean="0"/>
+              <a:t>- parameters</a:t>
+            </a:r>
+            <a:endParaRPr kumimoji="1" lang="zh-TW" altLang="en-US" dirty="0"/>
+          </a:p>
+        </p:txBody>
+      </p:sp>
+      <p:sp>
+        <p:nvSpPr>
+          <p:cNvPr id="3" name="內容版面配置區 2"/>
+          <p:cNvSpPr>
+            <a:spLocks noGrp="1"/>
+          </p:cNvSpPr>
+          <p:nvPr>
+            <p:ph idx="1"/>
+          </p:nvPr>
+        </p:nvSpPr>
+        <p:spPr/>
+        <p:txBody>
+          <a:bodyPr/>
+          <a:lstStyle/>
+          <a:p>
+            <a:pPr marL="342900" indent="-342900">
+              <a:buFont typeface="Arial"/>
+              <a:buChar char="•"/>
+            </a:pPr>
+            <a:r>
+              <a:rPr kumimoji="1" lang="en-US" altLang="zh-TW" dirty="0" smtClean="0"/>
+              <a:t>Particle number: 100</a:t>
+            </a:r>
+          </a:p>
+          <a:p>
+            <a:pPr marL="342900" indent="-342900">
+              <a:buFont typeface="Arial"/>
+              <a:buChar char="•"/>
+            </a:pPr>
+            <a:r>
+              <a:rPr kumimoji="1" lang="en-US" altLang="zh-TW" dirty="0" smtClean="0"/>
+              <a:t>Search domain: -100 &lt; X</a:t>
+            </a:r>
+            <a:r>
+              <a:rPr kumimoji="1" lang="en-US" altLang="zh-TW" baseline="-25000" dirty="0" smtClean="0"/>
+              <a:t>i</a:t>
+            </a:r>
+            <a:r>
+              <a:rPr kumimoji="1" lang="en-US" altLang="zh-TW" dirty="0" smtClean="0"/>
+              <a:t> &lt; 100</a:t>
+            </a:r>
+          </a:p>
+          <a:p>
+            <a:pPr marL="342900" indent="-342900">
+              <a:buFont typeface="Arial"/>
+              <a:buChar char="•"/>
+            </a:pPr>
+            <a:r>
+              <a:rPr kumimoji="1" lang="en-US" altLang="zh-TW" dirty="0" smtClean="0"/>
+              <a:t>C</a:t>
+            </a:r>
+            <a:r>
+              <a:rPr kumimoji="1" lang="en-US" altLang="zh-TW" baseline="-25000" dirty="0" smtClean="0"/>
+              <a:t>1</a:t>
+            </a:r>
+            <a:r>
+              <a:rPr kumimoji="1" lang="en-US" altLang="zh-TW" dirty="0" smtClean="0"/>
+              <a:t>: 2</a:t>
+            </a:r>
+          </a:p>
+          <a:p>
+            <a:pPr marL="342900" indent="-342900">
+              <a:buFont typeface="Arial"/>
+              <a:buChar char="•"/>
+            </a:pPr>
+            <a:r>
+              <a:rPr kumimoji="1" lang="en-US" altLang="zh-TW" dirty="0" smtClean="0"/>
+              <a:t>C</a:t>
+            </a:r>
+            <a:r>
+              <a:rPr kumimoji="1" lang="en-US" altLang="zh-TW" baseline="-25000" dirty="0" smtClean="0"/>
+              <a:t>2</a:t>
+            </a:r>
+            <a:r>
+              <a:rPr kumimoji="1" lang="en-US" altLang="zh-TW" dirty="0" smtClean="0"/>
+              <a:t>: 2</a:t>
+            </a:r>
+          </a:p>
+          <a:p>
+            <a:pPr marL="342900" indent="-342900">
+              <a:buFont typeface="Arial"/>
+              <a:buChar char="•"/>
+            </a:pPr>
+            <a:r>
+              <a:rPr kumimoji="1" lang="en-US" altLang="zh-TW" dirty="0" smtClean="0"/>
+              <a:t>Rand</a:t>
+            </a:r>
+            <a:r>
+              <a:rPr kumimoji="1" lang="en-US" altLang="zh-TW" baseline="-25000" dirty="0" smtClean="0"/>
+              <a:t>1</a:t>
+            </a:r>
+            <a:r>
+              <a:rPr kumimoji="1" lang="en-US" altLang="zh-TW" dirty="0" smtClean="0"/>
+              <a:t>: </a:t>
+            </a:r>
+            <a:r>
               <a:rPr kumimoji="1" lang="en-US" altLang="zh-TW" dirty="0"/>
-              <a:t>Sphere Function</a:t>
-            </a:r>
-            <a:br>
+              <a:t>0.26159124447458926</a:t>
+            </a:r>
+            <a:endParaRPr kumimoji="1" lang="en-US" altLang="zh-TW" dirty="0" smtClean="0"/>
+          </a:p>
+          <a:p>
+            <a:pPr marL="342900" indent="-342900">
+              <a:buFont typeface="Arial"/>
+              <a:buChar char="•"/>
+            </a:pPr>
+            <a:r>
+              <a:rPr kumimoji="1" lang="en-US" altLang="zh-TW" dirty="0" smtClean="0"/>
+              <a:t>Rand</a:t>
+            </a:r>
+            <a:r>
+              <a:rPr kumimoji="1" lang="en-US" altLang="zh-TW" baseline="-25000" dirty="0" smtClean="0"/>
+              <a:t>2</a:t>
+            </a:r>
+            <a:r>
+              <a:rPr kumimoji="1" lang="en-US" altLang="zh-TW" dirty="0" smtClean="0"/>
+              <a:t>: </a:t>
+            </a:r>
+            <a:r>
               <a:rPr kumimoji="1" lang="en-US" altLang="zh-TW" dirty="0"/>
-            </a:br>
-            <a:r>
-              <a:rPr kumimoji="1" lang="en-US" altLang="zh-TW" dirty="0"/>
-              <a:t>- </a:t>
-            </a:r>
+              <a:t>0.056226893824293245</a:t>
+            </a:r>
+            <a:endParaRPr kumimoji="1" lang="en-US" altLang="zh-TW" dirty="0" smtClean="0"/>
+          </a:p>
+          <a:p>
+            <a:pPr marL="342900" indent="-342900">
+              <a:buFont typeface="Arial"/>
+              <a:buChar char="•"/>
+            </a:pPr>
             <a:r>
               <a:rPr kumimoji="1" lang="en-US" altLang="zh-TW" dirty="0" smtClean="0"/>
-              <a:t>Process (1/7)</a:t>
+              <a:t>V</a:t>
+            </a:r>
+            <a:r>
+              <a:rPr kumimoji="1" lang="en-US" altLang="zh-TW" baseline="-25000" dirty="0" smtClean="0"/>
+              <a:t>0</a:t>
+            </a:r>
+            <a:r>
+              <a:rPr kumimoji="1" lang="en-US" altLang="zh-TW" dirty="0" smtClean="0"/>
+              <a:t>: [0, 0]</a:t>
+            </a:r>
+          </a:p>
+          <a:p>
+            <a:pPr marL="342900" indent="-342900">
+              <a:buFont typeface="Arial"/>
+              <a:buChar char="•"/>
+            </a:pPr>
+            <a:r>
+              <a:rPr kumimoji="1" lang="en-US" altLang="zh-TW" dirty="0" smtClean="0"/>
+              <a:t>W: 0</a:t>
+            </a:r>
+          </a:p>
+          <a:p>
+            <a:pPr marL="342900" indent="-342900">
+              <a:buFont typeface="Arial"/>
+              <a:buChar char="•"/>
+            </a:pPr>
+            <a:r>
+              <a:rPr kumimoji="1" lang="en-US" altLang="zh-TW" dirty="0" smtClean="0"/>
+              <a:t>Terminate condition: t = 100</a:t>
             </a:r>
             <a:endParaRPr kumimoji="1" lang="zh-TW" altLang="en-US" dirty="0"/>
           </a:p>
         </p:txBody>
       </p:sp>
-      <p:pic>
-        <p:nvPicPr>
-          <p:cNvPr id="4" name="內容版面配置區 3" descr="s1.png"/>
-          <p:cNvPicPr>
-            <a:picLocks noGrp="1" noChangeAspect="1"/>
-          </p:cNvPicPr>
-          <p:nvPr>
-            <p:ph idx="1"/>
-          </p:nvPr>
-        </p:nvPicPr>
-        <p:blipFill>
-          <a:blip r:embed="rId2">
-            <a:extLst>
-              <a:ext uri="{28A0092B-C50C-407E-A947-70E740481C1C}">
-                <a14:useLocalDpi xmlns:a14="http://schemas.microsoft.com/office/drawing/2010/main" val="0"/>
-              </a:ext>
-            </a:extLst>
-          </a:blip>
-          <a:srcRect t="10632" b="10632"/>
-          <a:stretch>
-            <a:fillRect/>
-          </a:stretch>
-        </p:blipFill>
-        <p:spPr/>
-      </p:pic>
     </p:spTree>
     <p:extLst>
       <p:ext uri="{BB962C8B-B14F-4D97-AF65-F5344CB8AC3E}">
-        <p14:creationId xmlns:p14="http://schemas.microsoft.com/office/powerpoint/2010/main" val="2034901087"/>
+        <p14:creationId xmlns:p14="http://schemas.microsoft.com/office/powerpoint/2010/main" val="1544863151"/>
       </p:ext>
     </p:extLst>
   </p:cSld>
@@ -5289,11 +5982,11 @@
             </a:br>
             <a:r>
               <a:rPr kumimoji="1" lang="en-US" altLang="zh-TW" dirty="0"/>
-              <a:t>- Process (</a:t>
+              <a:t>- </a:t>
             </a:r>
             <a:r>
               <a:rPr kumimoji="1" lang="en-US" altLang="zh-TW" dirty="0" smtClean="0"/>
-              <a:t>2/7)</a:t>
+              <a:t>Process (1/7)</a:t>
             </a:r>
             <a:endParaRPr kumimoji="1" lang="zh-TW" altLang="en-US" dirty="0"/>
           </a:p>
@@ -5301,7 +5994,7 @@
       </p:sp>
       <p:pic>
         <p:nvPicPr>
-          <p:cNvPr id="8" name="內容版面配置區 7" descr="s2.png"/>
+          <p:cNvPr id="4" name="內容版面配置區 3" descr="s1.png"/>
           <p:cNvPicPr>
             <a:picLocks noGrp="1" noChangeAspect="1"/>
           </p:cNvPicPr>
@@ -5327,7 +6020,7 @@
     </p:spTree>
     <p:extLst>
       <p:ext uri="{BB962C8B-B14F-4D97-AF65-F5344CB8AC3E}">
-        <p14:creationId xmlns:p14="http://schemas.microsoft.com/office/powerpoint/2010/main" val="1704062774"/>
+        <p14:creationId xmlns:p14="http://schemas.microsoft.com/office/powerpoint/2010/main" val="2034901087"/>
       </p:ext>
     </p:extLst>
   </p:cSld>
@@ -5389,7 +6082,7 @@
             </a:r>
             <a:r>
               <a:rPr kumimoji="1" lang="en-US" altLang="zh-TW" dirty="0" smtClean="0"/>
-              <a:t>3/7)</a:t>
+              <a:t>2/7)</a:t>
             </a:r>
             <a:endParaRPr kumimoji="1" lang="zh-TW" altLang="en-US" dirty="0"/>
           </a:p>
@@ -5397,7 +6090,7 @@
       </p:sp>
       <p:pic>
         <p:nvPicPr>
-          <p:cNvPr id="4" name="內容版面配置區 3" descr="s3.png"/>
+          <p:cNvPr id="8" name="內容版面配置區 7" descr="s2.png"/>
           <p:cNvPicPr>
             <a:picLocks noGrp="1" noChangeAspect="1"/>
           </p:cNvPicPr>
@@ -5485,7 +6178,7 @@
             </a:r>
             <a:r>
               <a:rPr kumimoji="1" lang="en-US" altLang="zh-TW" dirty="0" smtClean="0"/>
-              <a:t>4/7)</a:t>
+              <a:t>3/7)</a:t>
             </a:r>
             <a:endParaRPr kumimoji="1" lang="zh-TW" altLang="en-US" dirty="0"/>
           </a:p>
@@ -5493,7 +6186,7 @@
       </p:sp>
       <p:pic>
         <p:nvPicPr>
-          <p:cNvPr id="6" name="內容版面配置區 5" descr="s4.png"/>
+          <p:cNvPr id="4" name="內容版面配置區 3" descr="s3.png"/>
           <p:cNvPicPr>
             <a:picLocks noGrp="1" noChangeAspect="1"/>
           </p:cNvPicPr>
@@ -5581,7 +6274,7 @@
             </a:r>
             <a:r>
               <a:rPr kumimoji="1" lang="en-US" altLang="zh-TW" dirty="0" smtClean="0"/>
-              <a:t>5/7)</a:t>
+              <a:t>4/7)</a:t>
             </a:r>
             <a:endParaRPr kumimoji="1" lang="zh-TW" altLang="en-US" dirty="0"/>
           </a:p>
@@ -5589,7 +6282,7 @@
       </p:sp>
       <p:pic>
         <p:nvPicPr>
-          <p:cNvPr id="4" name="內容版面配置區 3" descr="s5.png"/>
+          <p:cNvPr id="6" name="內容版面配置區 5" descr="s4.png"/>
           <p:cNvPicPr>
             <a:picLocks noGrp="1" noChangeAspect="1"/>
           </p:cNvPicPr>
@@ -5677,7 +6370,7 @@
             </a:r>
             <a:r>
               <a:rPr kumimoji="1" lang="en-US" altLang="zh-TW" dirty="0" smtClean="0"/>
-              <a:t>6/7)</a:t>
+              <a:t>5/7)</a:t>
             </a:r>
             <a:endParaRPr kumimoji="1" lang="zh-TW" altLang="en-US" dirty="0"/>
           </a:p>
@@ -5685,7 +6378,7 @@
       </p:sp>
       <p:pic>
         <p:nvPicPr>
-          <p:cNvPr id="4" name="內容版面配置區 3" descr="s6.png"/>
+          <p:cNvPr id="4" name="內容版面配置區 3" descr="s5.png"/>
           <p:cNvPicPr>
             <a:picLocks noGrp="1" noChangeAspect="1"/>
           </p:cNvPicPr>
@@ -5773,7 +6466,7 @@
             </a:r>
             <a:r>
               <a:rPr kumimoji="1" lang="en-US" altLang="zh-TW" dirty="0" smtClean="0"/>
-              <a:t>7/7)</a:t>
+              <a:t>6/7)</a:t>
             </a:r>
             <a:endParaRPr kumimoji="1" lang="zh-TW" altLang="en-US" dirty="0"/>
           </a:p>
@@ -5781,7 +6474,7 @@
       </p:sp>
       <p:pic>
         <p:nvPicPr>
-          <p:cNvPr id="4" name="內容版面配置區 3" descr="s7.png"/>
+          <p:cNvPr id="4" name="內容版面配置區 3" descr="s6.png"/>
           <p:cNvPicPr>
             <a:picLocks noGrp="1" noChangeAspect="1"/>
           </p:cNvPicPr>
